--- a/Final-Year-Project/Presentations/Assessed Progress presentation.pptx
+++ b/Final-Year-Project/Presentations/Assessed Progress presentation.pptx
@@ -8,6 +8,7 @@
     <p:sldId id="256" r:id="rId2"/>
     <p:sldId id="257" r:id="rId3"/>
     <p:sldId id="258" r:id="rId4"/>
+    <p:sldId id="259" r:id="rId5"/>
   </p:sldIdLst>
   <p:sldSz cx="12192000" cy="6858000"/>
   <p:notesSz cx="6858000" cy="9144000"/>
@@ -106,6 +107,11 @@
       </a:defRPr>
     </a:lvl9pPr>
   </p:defaultTextStyle>
+  <p:extLst>
+    <p:ext uri="{EFAFB233-063F-42B5-8137-9DF3F51BA10A}">
+      <p15:sldGuideLst xmlns:p15="http://schemas.microsoft.com/office/powerpoint/2012/main"/>
+    </p:ext>
+  </p:extLst>
 </p:presentation>
 </file>
 
@@ -5889,6 +5895,1368 @@
   <p:clrMapOvr>
     <a:masterClrMapping/>
   </p:clrMapOvr>
+  <p:timing>
+    <p:tnLst>
+      <p:par>
+        <p:cTn id="1" dur="indefinite" restart="never" nodeType="tmRoot">
+          <p:childTnLst>
+            <p:seq concurrent="1" nextAc="seek">
+              <p:cTn id="2" dur="indefinite" nodeType="mainSeq">
+                <p:childTnLst>
+                  <p:par>
+                    <p:cTn id="3" fill="hold">
+                      <p:stCondLst>
+                        <p:cond delay="indefinite"/>
+                      </p:stCondLst>
+                      <p:childTnLst>
+                        <p:par>
+                          <p:cTn id="4" fill="hold">
+                            <p:stCondLst>
+                              <p:cond delay="0"/>
+                            </p:stCondLst>
+                            <p:childTnLst>
+                              <p:par>
+                                <p:cTn id="5" presetID="42" presetClass="entr" presetSubtype="0" fill="hold" grpId="0" nodeType="clickEffect">
+                                  <p:stCondLst>
+                                    <p:cond delay="0"/>
+                                  </p:stCondLst>
+                                  <p:childTnLst>
+                                    <p:set>
+                                      <p:cBhvr>
+                                        <p:cTn id="6" dur="1" fill="hold">
+                                          <p:stCondLst>
+                                            <p:cond delay="0"/>
+                                          </p:stCondLst>
+                                        </p:cTn>
+                                        <p:tgtEl>
+                                          <p:spTgt spid="2"/>
+                                        </p:tgtEl>
+                                        <p:attrNameLst>
+                                          <p:attrName>style.visibility</p:attrName>
+                                        </p:attrNameLst>
+                                      </p:cBhvr>
+                                      <p:to>
+                                        <p:strVal val="visible"/>
+                                      </p:to>
+                                    </p:set>
+                                    <p:animEffect transition="in" filter="fade">
+                                      <p:cBhvr>
+                                        <p:cTn id="7" dur="1000"/>
+                                        <p:tgtEl>
+                                          <p:spTgt spid="2"/>
+                                        </p:tgtEl>
+                                      </p:cBhvr>
+                                    </p:animEffect>
+                                    <p:anim calcmode="lin" valueType="num">
+                                      <p:cBhvr>
+                                        <p:cTn id="8" dur="1000" fill="hold"/>
+                                        <p:tgtEl>
+                                          <p:spTgt spid="2"/>
+                                        </p:tgtEl>
+                                        <p:attrNameLst>
+                                          <p:attrName>ppt_x</p:attrName>
+                                        </p:attrNameLst>
+                                      </p:cBhvr>
+                                      <p:tavLst>
+                                        <p:tav tm="0">
+                                          <p:val>
+                                            <p:strVal val="#ppt_x"/>
+                                          </p:val>
+                                        </p:tav>
+                                        <p:tav tm="100000">
+                                          <p:val>
+                                            <p:strVal val="#ppt_x"/>
+                                          </p:val>
+                                        </p:tav>
+                                      </p:tavLst>
+                                    </p:anim>
+                                    <p:anim calcmode="lin" valueType="num">
+                                      <p:cBhvr>
+                                        <p:cTn id="9" dur="1000" fill="hold"/>
+                                        <p:tgtEl>
+                                          <p:spTgt spid="2"/>
+                                        </p:tgtEl>
+                                        <p:attrNameLst>
+                                          <p:attrName>ppt_y</p:attrName>
+                                        </p:attrNameLst>
+                                      </p:cBhvr>
+                                      <p:tavLst>
+                                        <p:tav tm="0">
+                                          <p:val>
+                                            <p:strVal val="#ppt_y+.1"/>
+                                          </p:val>
+                                        </p:tav>
+                                        <p:tav tm="100000">
+                                          <p:val>
+                                            <p:strVal val="#ppt_y"/>
+                                          </p:val>
+                                        </p:tav>
+                                      </p:tavLst>
+                                    </p:anim>
+                                  </p:childTnLst>
+                                </p:cTn>
+                              </p:par>
+                            </p:childTnLst>
+                          </p:cTn>
+                        </p:par>
+                      </p:childTnLst>
+                    </p:cTn>
+                  </p:par>
+                  <p:par>
+                    <p:cTn id="10" fill="hold">
+                      <p:stCondLst>
+                        <p:cond delay="indefinite"/>
+                      </p:stCondLst>
+                      <p:childTnLst>
+                        <p:par>
+                          <p:cTn id="11" fill="hold">
+                            <p:stCondLst>
+                              <p:cond delay="0"/>
+                            </p:stCondLst>
+                            <p:childTnLst>
+                              <p:par>
+                                <p:cTn id="12" presetID="42" presetClass="entr" presetSubtype="0" fill="hold" grpId="0" nodeType="clickEffect">
+                                  <p:stCondLst>
+                                    <p:cond delay="0"/>
+                                  </p:stCondLst>
+                                  <p:childTnLst>
+                                    <p:set>
+                                      <p:cBhvr>
+                                        <p:cTn id="13" dur="1" fill="hold">
+                                          <p:stCondLst>
+                                            <p:cond delay="0"/>
+                                          </p:stCondLst>
+                                        </p:cTn>
+                                        <p:tgtEl>
+                                          <p:spTgt spid="3">
+                                            <p:txEl>
+                                              <p:pRg st="0" end="0"/>
+                                            </p:txEl>
+                                          </p:spTgt>
+                                        </p:tgtEl>
+                                        <p:attrNameLst>
+                                          <p:attrName>style.visibility</p:attrName>
+                                        </p:attrNameLst>
+                                      </p:cBhvr>
+                                      <p:to>
+                                        <p:strVal val="visible"/>
+                                      </p:to>
+                                    </p:set>
+                                    <p:animEffect transition="in" filter="fade">
+                                      <p:cBhvr>
+                                        <p:cTn id="14" dur="1000"/>
+                                        <p:tgtEl>
+                                          <p:spTgt spid="3">
+                                            <p:txEl>
+                                              <p:pRg st="0" end="0"/>
+                                            </p:txEl>
+                                          </p:spTgt>
+                                        </p:tgtEl>
+                                      </p:cBhvr>
+                                    </p:animEffect>
+                                    <p:anim calcmode="lin" valueType="num">
+                                      <p:cBhvr>
+                                        <p:cTn id="15" dur="1000" fill="hold"/>
+                                        <p:tgtEl>
+                                          <p:spTgt spid="3">
+                                            <p:txEl>
+                                              <p:pRg st="0" end="0"/>
+                                            </p:txEl>
+                                          </p:spTgt>
+                                        </p:tgtEl>
+                                        <p:attrNameLst>
+                                          <p:attrName>ppt_x</p:attrName>
+                                        </p:attrNameLst>
+                                      </p:cBhvr>
+                                      <p:tavLst>
+                                        <p:tav tm="0">
+                                          <p:val>
+                                            <p:strVal val="#ppt_x"/>
+                                          </p:val>
+                                        </p:tav>
+                                        <p:tav tm="100000">
+                                          <p:val>
+                                            <p:strVal val="#ppt_x"/>
+                                          </p:val>
+                                        </p:tav>
+                                      </p:tavLst>
+                                    </p:anim>
+                                    <p:anim calcmode="lin" valueType="num">
+                                      <p:cBhvr>
+                                        <p:cTn id="16" dur="1000" fill="hold"/>
+                                        <p:tgtEl>
+                                          <p:spTgt spid="3">
+                                            <p:txEl>
+                                              <p:pRg st="0" end="0"/>
+                                            </p:txEl>
+                                          </p:spTgt>
+                                        </p:tgtEl>
+                                        <p:attrNameLst>
+                                          <p:attrName>ppt_y</p:attrName>
+                                        </p:attrNameLst>
+                                      </p:cBhvr>
+                                      <p:tavLst>
+                                        <p:tav tm="0">
+                                          <p:val>
+                                            <p:strVal val="#ppt_y+.1"/>
+                                          </p:val>
+                                        </p:tav>
+                                        <p:tav tm="100000">
+                                          <p:val>
+                                            <p:strVal val="#ppt_y"/>
+                                          </p:val>
+                                        </p:tav>
+                                      </p:tavLst>
+                                    </p:anim>
+                                  </p:childTnLst>
+                                </p:cTn>
+                              </p:par>
+                              <p:par>
+                                <p:cTn id="17" presetID="42" presetClass="entr" presetSubtype="0" fill="hold" grpId="0" nodeType="withEffect">
+                                  <p:stCondLst>
+                                    <p:cond delay="0"/>
+                                  </p:stCondLst>
+                                  <p:childTnLst>
+                                    <p:set>
+                                      <p:cBhvr>
+                                        <p:cTn id="18" dur="1" fill="hold">
+                                          <p:stCondLst>
+                                            <p:cond delay="0"/>
+                                          </p:stCondLst>
+                                        </p:cTn>
+                                        <p:tgtEl>
+                                          <p:spTgt spid="3">
+                                            <p:txEl>
+                                              <p:pRg st="1" end="1"/>
+                                            </p:txEl>
+                                          </p:spTgt>
+                                        </p:tgtEl>
+                                        <p:attrNameLst>
+                                          <p:attrName>style.visibility</p:attrName>
+                                        </p:attrNameLst>
+                                      </p:cBhvr>
+                                      <p:to>
+                                        <p:strVal val="visible"/>
+                                      </p:to>
+                                    </p:set>
+                                    <p:animEffect transition="in" filter="fade">
+                                      <p:cBhvr>
+                                        <p:cTn id="19" dur="1000"/>
+                                        <p:tgtEl>
+                                          <p:spTgt spid="3">
+                                            <p:txEl>
+                                              <p:pRg st="1" end="1"/>
+                                            </p:txEl>
+                                          </p:spTgt>
+                                        </p:tgtEl>
+                                      </p:cBhvr>
+                                    </p:animEffect>
+                                    <p:anim calcmode="lin" valueType="num">
+                                      <p:cBhvr>
+                                        <p:cTn id="20" dur="1000" fill="hold"/>
+                                        <p:tgtEl>
+                                          <p:spTgt spid="3">
+                                            <p:txEl>
+                                              <p:pRg st="1" end="1"/>
+                                            </p:txEl>
+                                          </p:spTgt>
+                                        </p:tgtEl>
+                                        <p:attrNameLst>
+                                          <p:attrName>ppt_x</p:attrName>
+                                        </p:attrNameLst>
+                                      </p:cBhvr>
+                                      <p:tavLst>
+                                        <p:tav tm="0">
+                                          <p:val>
+                                            <p:strVal val="#ppt_x"/>
+                                          </p:val>
+                                        </p:tav>
+                                        <p:tav tm="100000">
+                                          <p:val>
+                                            <p:strVal val="#ppt_x"/>
+                                          </p:val>
+                                        </p:tav>
+                                      </p:tavLst>
+                                    </p:anim>
+                                    <p:anim calcmode="lin" valueType="num">
+                                      <p:cBhvr>
+                                        <p:cTn id="21" dur="1000" fill="hold"/>
+                                        <p:tgtEl>
+                                          <p:spTgt spid="3">
+                                            <p:txEl>
+                                              <p:pRg st="1" end="1"/>
+                                            </p:txEl>
+                                          </p:spTgt>
+                                        </p:tgtEl>
+                                        <p:attrNameLst>
+                                          <p:attrName>ppt_y</p:attrName>
+                                        </p:attrNameLst>
+                                      </p:cBhvr>
+                                      <p:tavLst>
+                                        <p:tav tm="0">
+                                          <p:val>
+                                            <p:strVal val="#ppt_y+.1"/>
+                                          </p:val>
+                                        </p:tav>
+                                        <p:tav tm="100000">
+                                          <p:val>
+                                            <p:strVal val="#ppt_y"/>
+                                          </p:val>
+                                        </p:tav>
+                                      </p:tavLst>
+                                    </p:anim>
+                                  </p:childTnLst>
+                                </p:cTn>
+                              </p:par>
+                            </p:childTnLst>
+                          </p:cTn>
+                        </p:par>
+                      </p:childTnLst>
+                    </p:cTn>
+                  </p:par>
+                  <p:par>
+                    <p:cTn id="22" fill="hold">
+                      <p:stCondLst>
+                        <p:cond delay="indefinite"/>
+                      </p:stCondLst>
+                      <p:childTnLst>
+                        <p:par>
+                          <p:cTn id="23" fill="hold">
+                            <p:stCondLst>
+                              <p:cond delay="0"/>
+                            </p:stCondLst>
+                            <p:childTnLst>
+                              <p:par>
+                                <p:cTn id="24" presetID="42" presetClass="entr" presetSubtype="0" fill="hold" grpId="0" nodeType="clickEffect">
+                                  <p:stCondLst>
+                                    <p:cond delay="0"/>
+                                  </p:stCondLst>
+                                  <p:childTnLst>
+                                    <p:set>
+                                      <p:cBhvr>
+                                        <p:cTn id="25" dur="1" fill="hold">
+                                          <p:stCondLst>
+                                            <p:cond delay="0"/>
+                                          </p:stCondLst>
+                                        </p:cTn>
+                                        <p:tgtEl>
+                                          <p:spTgt spid="3">
+                                            <p:txEl>
+                                              <p:pRg st="2" end="2"/>
+                                            </p:txEl>
+                                          </p:spTgt>
+                                        </p:tgtEl>
+                                        <p:attrNameLst>
+                                          <p:attrName>style.visibility</p:attrName>
+                                        </p:attrNameLst>
+                                      </p:cBhvr>
+                                      <p:to>
+                                        <p:strVal val="visible"/>
+                                      </p:to>
+                                    </p:set>
+                                    <p:animEffect transition="in" filter="fade">
+                                      <p:cBhvr>
+                                        <p:cTn id="26" dur="1000"/>
+                                        <p:tgtEl>
+                                          <p:spTgt spid="3">
+                                            <p:txEl>
+                                              <p:pRg st="2" end="2"/>
+                                            </p:txEl>
+                                          </p:spTgt>
+                                        </p:tgtEl>
+                                      </p:cBhvr>
+                                    </p:animEffect>
+                                    <p:anim calcmode="lin" valueType="num">
+                                      <p:cBhvr>
+                                        <p:cTn id="27" dur="1000" fill="hold"/>
+                                        <p:tgtEl>
+                                          <p:spTgt spid="3">
+                                            <p:txEl>
+                                              <p:pRg st="2" end="2"/>
+                                            </p:txEl>
+                                          </p:spTgt>
+                                        </p:tgtEl>
+                                        <p:attrNameLst>
+                                          <p:attrName>ppt_x</p:attrName>
+                                        </p:attrNameLst>
+                                      </p:cBhvr>
+                                      <p:tavLst>
+                                        <p:tav tm="0">
+                                          <p:val>
+                                            <p:strVal val="#ppt_x"/>
+                                          </p:val>
+                                        </p:tav>
+                                        <p:tav tm="100000">
+                                          <p:val>
+                                            <p:strVal val="#ppt_x"/>
+                                          </p:val>
+                                        </p:tav>
+                                      </p:tavLst>
+                                    </p:anim>
+                                    <p:anim calcmode="lin" valueType="num">
+                                      <p:cBhvr>
+                                        <p:cTn id="28" dur="1000" fill="hold"/>
+                                        <p:tgtEl>
+                                          <p:spTgt spid="3">
+                                            <p:txEl>
+                                              <p:pRg st="2" end="2"/>
+                                            </p:txEl>
+                                          </p:spTgt>
+                                        </p:tgtEl>
+                                        <p:attrNameLst>
+                                          <p:attrName>ppt_y</p:attrName>
+                                        </p:attrNameLst>
+                                      </p:cBhvr>
+                                      <p:tavLst>
+                                        <p:tav tm="0">
+                                          <p:val>
+                                            <p:strVal val="#ppt_y+.1"/>
+                                          </p:val>
+                                        </p:tav>
+                                        <p:tav tm="100000">
+                                          <p:val>
+                                            <p:strVal val="#ppt_y"/>
+                                          </p:val>
+                                        </p:tav>
+                                      </p:tavLst>
+                                    </p:anim>
+                                  </p:childTnLst>
+                                </p:cTn>
+                              </p:par>
+                              <p:par>
+                                <p:cTn id="29" presetID="42" presetClass="entr" presetSubtype="0" fill="hold" grpId="0" nodeType="withEffect">
+                                  <p:stCondLst>
+                                    <p:cond delay="0"/>
+                                  </p:stCondLst>
+                                  <p:childTnLst>
+                                    <p:set>
+                                      <p:cBhvr>
+                                        <p:cTn id="30" dur="1" fill="hold">
+                                          <p:stCondLst>
+                                            <p:cond delay="0"/>
+                                          </p:stCondLst>
+                                        </p:cTn>
+                                        <p:tgtEl>
+                                          <p:spTgt spid="3">
+                                            <p:txEl>
+                                              <p:pRg st="3" end="3"/>
+                                            </p:txEl>
+                                          </p:spTgt>
+                                        </p:tgtEl>
+                                        <p:attrNameLst>
+                                          <p:attrName>style.visibility</p:attrName>
+                                        </p:attrNameLst>
+                                      </p:cBhvr>
+                                      <p:to>
+                                        <p:strVal val="visible"/>
+                                      </p:to>
+                                    </p:set>
+                                    <p:animEffect transition="in" filter="fade">
+                                      <p:cBhvr>
+                                        <p:cTn id="31" dur="1000"/>
+                                        <p:tgtEl>
+                                          <p:spTgt spid="3">
+                                            <p:txEl>
+                                              <p:pRg st="3" end="3"/>
+                                            </p:txEl>
+                                          </p:spTgt>
+                                        </p:tgtEl>
+                                      </p:cBhvr>
+                                    </p:animEffect>
+                                    <p:anim calcmode="lin" valueType="num">
+                                      <p:cBhvr>
+                                        <p:cTn id="32" dur="1000" fill="hold"/>
+                                        <p:tgtEl>
+                                          <p:spTgt spid="3">
+                                            <p:txEl>
+                                              <p:pRg st="3" end="3"/>
+                                            </p:txEl>
+                                          </p:spTgt>
+                                        </p:tgtEl>
+                                        <p:attrNameLst>
+                                          <p:attrName>ppt_x</p:attrName>
+                                        </p:attrNameLst>
+                                      </p:cBhvr>
+                                      <p:tavLst>
+                                        <p:tav tm="0">
+                                          <p:val>
+                                            <p:strVal val="#ppt_x"/>
+                                          </p:val>
+                                        </p:tav>
+                                        <p:tav tm="100000">
+                                          <p:val>
+                                            <p:strVal val="#ppt_x"/>
+                                          </p:val>
+                                        </p:tav>
+                                      </p:tavLst>
+                                    </p:anim>
+                                    <p:anim calcmode="lin" valueType="num">
+                                      <p:cBhvr>
+                                        <p:cTn id="33" dur="1000" fill="hold"/>
+                                        <p:tgtEl>
+                                          <p:spTgt spid="3">
+                                            <p:txEl>
+                                              <p:pRg st="3" end="3"/>
+                                            </p:txEl>
+                                          </p:spTgt>
+                                        </p:tgtEl>
+                                        <p:attrNameLst>
+                                          <p:attrName>ppt_y</p:attrName>
+                                        </p:attrNameLst>
+                                      </p:cBhvr>
+                                      <p:tavLst>
+                                        <p:tav tm="0">
+                                          <p:val>
+                                            <p:strVal val="#ppt_y+.1"/>
+                                          </p:val>
+                                        </p:tav>
+                                        <p:tav tm="100000">
+                                          <p:val>
+                                            <p:strVal val="#ppt_y"/>
+                                          </p:val>
+                                        </p:tav>
+                                      </p:tavLst>
+                                    </p:anim>
+                                  </p:childTnLst>
+                                </p:cTn>
+                              </p:par>
+                            </p:childTnLst>
+                          </p:cTn>
+                        </p:par>
+                      </p:childTnLst>
+                    </p:cTn>
+                  </p:par>
+                  <p:par>
+                    <p:cTn id="34" fill="hold">
+                      <p:stCondLst>
+                        <p:cond delay="indefinite"/>
+                      </p:stCondLst>
+                      <p:childTnLst>
+                        <p:par>
+                          <p:cTn id="35" fill="hold">
+                            <p:stCondLst>
+                              <p:cond delay="0"/>
+                            </p:stCondLst>
+                            <p:childTnLst>
+                              <p:par>
+                                <p:cTn id="36" presetID="42" presetClass="entr" presetSubtype="0" fill="hold" grpId="0" nodeType="clickEffect">
+                                  <p:stCondLst>
+                                    <p:cond delay="0"/>
+                                  </p:stCondLst>
+                                  <p:childTnLst>
+                                    <p:set>
+                                      <p:cBhvr>
+                                        <p:cTn id="37" dur="1" fill="hold">
+                                          <p:stCondLst>
+                                            <p:cond delay="0"/>
+                                          </p:stCondLst>
+                                        </p:cTn>
+                                        <p:tgtEl>
+                                          <p:spTgt spid="3">
+                                            <p:txEl>
+                                              <p:pRg st="4" end="4"/>
+                                            </p:txEl>
+                                          </p:spTgt>
+                                        </p:tgtEl>
+                                        <p:attrNameLst>
+                                          <p:attrName>style.visibility</p:attrName>
+                                        </p:attrNameLst>
+                                      </p:cBhvr>
+                                      <p:to>
+                                        <p:strVal val="visible"/>
+                                      </p:to>
+                                    </p:set>
+                                    <p:animEffect transition="in" filter="fade">
+                                      <p:cBhvr>
+                                        <p:cTn id="38" dur="1000"/>
+                                        <p:tgtEl>
+                                          <p:spTgt spid="3">
+                                            <p:txEl>
+                                              <p:pRg st="4" end="4"/>
+                                            </p:txEl>
+                                          </p:spTgt>
+                                        </p:tgtEl>
+                                      </p:cBhvr>
+                                    </p:animEffect>
+                                    <p:anim calcmode="lin" valueType="num">
+                                      <p:cBhvr>
+                                        <p:cTn id="39" dur="1000" fill="hold"/>
+                                        <p:tgtEl>
+                                          <p:spTgt spid="3">
+                                            <p:txEl>
+                                              <p:pRg st="4" end="4"/>
+                                            </p:txEl>
+                                          </p:spTgt>
+                                        </p:tgtEl>
+                                        <p:attrNameLst>
+                                          <p:attrName>ppt_x</p:attrName>
+                                        </p:attrNameLst>
+                                      </p:cBhvr>
+                                      <p:tavLst>
+                                        <p:tav tm="0">
+                                          <p:val>
+                                            <p:strVal val="#ppt_x"/>
+                                          </p:val>
+                                        </p:tav>
+                                        <p:tav tm="100000">
+                                          <p:val>
+                                            <p:strVal val="#ppt_x"/>
+                                          </p:val>
+                                        </p:tav>
+                                      </p:tavLst>
+                                    </p:anim>
+                                    <p:anim calcmode="lin" valueType="num">
+                                      <p:cBhvr>
+                                        <p:cTn id="40" dur="1000" fill="hold"/>
+                                        <p:tgtEl>
+                                          <p:spTgt spid="3">
+                                            <p:txEl>
+                                              <p:pRg st="4" end="4"/>
+                                            </p:txEl>
+                                          </p:spTgt>
+                                        </p:tgtEl>
+                                        <p:attrNameLst>
+                                          <p:attrName>ppt_y</p:attrName>
+                                        </p:attrNameLst>
+                                      </p:cBhvr>
+                                      <p:tavLst>
+                                        <p:tav tm="0">
+                                          <p:val>
+                                            <p:strVal val="#ppt_y+.1"/>
+                                          </p:val>
+                                        </p:tav>
+                                        <p:tav tm="100000">
+                                          <p:val>
+                                            <p:strVal val="#ppt_y"/>
+                                          </p:val>
+                                        </p:tav>
+                                      </p:tavLst>
+                                    </p:anim>
+                                  </p:childTnLst>
+                                </p:cTn>
+                              </p:par>
+                            </p:childTnLst>
+                          </p:cTn>
+                        </p:par>
+                      </p:childTnLst>
+                    </p:cTn>
+                  </p:par>
+                  <p:par>
+                    <p:cTn id="41" fill="hold">
+                      <p:stCondLst>
+                        <p:cond delay="indefinite"/>
+                      </p:stCondLst>
+                      <p:childTnLst>
+                        <p:par>
+                          <p:cTn id="42" fill="hold">
+                            <p:stCondLst>
+                              <p:cond delay="0"/>
+                            </p:stCondLst>
+                            <p:childTnLst>
+                              <p:par>
+                                <p:cTn id="43" presetID="42" presetClass="entr" presetSubtype="0" fill="hold" grpId="0" nodeType="clickEffect">
+                                  <p:stCondLst>
+                                    <p:cond delay="0"/>
+                                  </p:stCondLst>
+                                  <p:childTnLst>
+                                    <p:set>
+                                      <p:cBhvr>
+                                        <p:cTn id="44" dur="1" fill="hold">
+                                          <p:stCondLst>
+                                            <p:cond delay="0"/>
+                                          </p:stCondLst>
+                                        </p:cTn>
+                                        <p:tgtEl>
+                                          <p:spTgt spid="3">
+                                            <p:txEl>
+                                              <p:pRg st="5" end="5"/>
+                                            </p:txEl>
+                                          </p:spTgt>
+                                        </p:tgtEl>
+                                        <p:attrNameLst>
+                                          <p:attrName>style.visibility</p:attrName>
+                                        </p:attrNameLst>
+                                      </p:cBhvr>
+                                      <p:to>
+                                        <p:strVal val="visible"/>
+                                      </p:to>
+                                    </p:set>
+                                    <p:animEffect transition="in" filter="fade">
+                                      <p:cBhvr>
+                                        <p:cTn id="45" dur="1000"/>
+                                        <p:tgtEl>
+                                          <p:spTgt spid="3">
+                                            <p:txEl>
+                                              <p:pRg st="5" end="5"/>
+                                            </p:txEl>
+                                          </p:spTgt>
+                                        </p:tgtEl>
+                                      </p:cBhvr>
+                                    </p:animEffect>
+                                    <p:anim calcmode="lin" valueType="num">
+                                      <p:cBhvr>
+                                        <p:cTn id="46" dur="1000" fill="hold"/>
+                                        <p:tgtEl>
+                                          <p:spTgt spid="3">
+                                            <p:txEl>
+                                              <p:pRg st="5" end="5"/>
+                                            </p:txEl>
+                                          </p:spTgt>
+                                        </p:tgtEl>
+                                        <p:attrNameLst>
+                                          <p:attrName>ppt_x</p:attrName>
+                                        </p:attrNameLst>
+                                      </p:cBhvr>
+                                      <p:tavLst>
+                                        <p:tav tm="0">
+                                          <p:val>
+                                            <p:strVal val="#ppt_x"/>
+                                          </p:val>
+                                        </p:tav>
+                                        <p:tav tm="100000">
+                                          <p:val>
+                                            <p:strVal val="#ppt_x"/>
+                                          </p:val>
+                                        </p:tav>
+                                      </p:tavLst>
+                                    </p:anim>
+                                    <p:anim calcmode="lin" valueType="num">
+                                      <p:cBhvr>
+                                        <p:cTn id="47" dur="1000" fill="hold"/>
+                                        <p:tgtEl>
+                                          <p:spTgt spid="3">
+                                            <p:txEl>
+                                              <p:pRg st="5" end="5"/>
+                                            </p:txEl>
+                                          </p:spTgt>
+                                        </p:tgtEl>
+                                        <p:attrNameLst>
+                                          <p:attrName>ppt_y</p:attrName>
+                                        </p:attrNameLst>
+                                      </p:cBhvr>
+                                      <p:tavLst>
+                                        <p:tav tm="0">
+                                          <p:val>
+                                            <p:strVal val="#ppt_y+.1"/>
+                                          </p:val>
+                                        </p:tav>
+                                        <p:tav tm="100000">
+                                          <p:val>
+                                            <p:strVal val="#ppt_y"/>
+                                          </p:val>
+                                        </p:tav>
+                                      </p:tavLst>
+                                    </p:anim>
+                                  </p:childTnLst>
+                                </p:cTn>
+                              </p:par>
+                            </p:childTnLst>
+                          </p:cTn>
+                        </p:par>
+                      </p:childTnLst>
+                    </p:cTn>
+                  </p:par>
+                  <p:par>
+                    <p:cTn id="48" fill="hold">
+                      <p:stCondLst>
+                        <p:cond delay="indefinite"/>
+                      </p:stCondLst>
+                      <p:childTnLst>
+                        <p:par>
+                          <p:cTn id="49" fill="hold">
+                            <p:stCondLst>
+                              <p:cond delay="0"/>
+                            </p:stCondLst>
+                            <p:childTnLst>
+                              <p:par>
+                                <p:cTn id="50" presetID="42" presetClass="entr" presetSubtype="0" fill="hold" grpId="0" nodeType="clickEffect">
+                                  <p:stCondLst>
+                                    <p:cond delay="0"/>
+                                  </p:stCondLst>
+                                  <p:childTnLst>
+                                    <p:set>
+                                      <p:cBhvr>
+                                        <p:cTn id="51" dur="1" fill="hold">
+                                          <p:stCondLst>
+                                            <p:cond delay="0"/>
+                                          </p:stCondLst>
+                                        </p:cTn>
+                                        <p:tgtEl>
+                                          <p:spTgt spid="3">
+                                            <p:txEl>
+                                              <p:pRg st="6" end="6"/>
+                                            </p:txEl>
+                                          </p:spTgt>
+                                        </p:tgtEl>
+                                        <p:attrNameLst>
+                                          <p:attrName>style.visibility</p:attrName>
+                                        </p:attrNameLst>
+                                      </p:cBhvr>
+                                      <p:to>
+                                        <p:strVal val="visible"/>
+                                      </p:to>
+                                    </p:set>
+                                    <p:animEffect transition="in" filter="fade">
+                                      <p:cBhvr>
+                                        <p:cTn id="52" dur="1000"/>
+                                        <p:tgtEl>
+                                          <p:spTgt spid="3">
+                                            <p:txEl>
+                                              <p:pRg st="6" end="6"/>
+                                            </p:txEl>
+                                          </p:spTgt>
+                                        </p:tgtEl>
+                                      </p:cBhvr>
+                                    </p:animEffect>
+                                    <p:anim calcmode="lin" valueType="num">
+                                      <p:cBhvr>
+                                        <p:cTn id="53" dur="1000" fill="hold"/>
+                                        <p:tgtEl>
+                                          <p:spTgt spid="3">
+                                            <p:txEl>
+                                              <p:pRg st="6" end="6"/>
+                                            </p:txEl>
+                                          </p:spTgt>
+                                        </p:tgtEl>
+                                        <p:attrNameLst>
+                                          <p:attrName>ppt_x</p:attrName>
+                                        </p:attrNameLst>
+                                      </p:cBhvr>
+                                      <p:tavLst>
+                                        <p:tav tm="0">
+                                          <p:val>
+                                            <p:strVal val="#ppt_x"/>
+                                          </p:val>
+                                        </p:tav>
+                                        <p:tav tm="100000">
+                                          <p:val>
+                                            <p:strVal val="#ppt_x"/>
+                                          </p:val>
+                                        </p:tav>
+                                      </p:tavLst>
+                                    </p:anim>
+                                    <p:anim calcmode="lin" valueType="num">
+                                      <p:cBhvr>
+                                        <p:cTn id="54" dur="1000" fill="hold"/>
+                                        <p:tgtEl>
+                                          <p:spTgt spid="3">
+                                            <p:txEl>
+                                              <p:pRg st="6" end="6"/>
+                                            </p:txEl>
+                                          </p:spTgt>
+                                        </p:tgtEl>
+                                        <p:attrNameLst>
+                                          <p:attrName>ppt_y</p:attrName>
+                                        </p:attrNameLst>
+                                      </p:cBhvr>
+                                      <p:tavLst>
+                                        <p:tav tm="0">
+                                          <p:val>
+                                            <p:strVal val="#ppt_y+.1"/>
+                                          </p:val>
+                                        </p:tav>
+                                        <p:tav tm="100000">
+                                          <p:val>
+                                            <p:strVal val="#ppt_y"/>
+                                          </p:val>
+                                        </p:tav>
+                                      </p:tavLst>
+                                    </p:anim>
+                                  </p:childTnLst>
+                                </p:cTn>
+                              </p:par>
+                            </p:childTnLst>
+                          </p:cTn>
+                        </p:par>
+                      </p:childTnLst>
+                    </p:cTn>
+                  </p:par>
+                  <p:par>
+                    <p:cTn id="55" fill="hold">
+                      <p:stCondLst>
+                        <p:cond delay="indefinite"/>
+                      </p:stCondLst>
+                      <p:childTnLst>
+                        <p:par>
+                          <p:cTn id="56" fill="hold">
+                            <p:stCondLst>
+                              <p:cond delay="0"/>
+                            </p:stCondLst>
+                            <p:childTnLst>
+                              <p:par>
+                                <p:cTn id="57" presetID="42" presetClass="entr" presetSubtype="0" fill="hold" grpId="0" nodeType="clickEffect">
+                                  <p:stCondLst>
+                                    <p:cond delay="0"/>
+                                  </p:stCondLst>
+                                  <p:childTnLst>
+                                    <p:set>
+                                      <p:cBhvr>
+                                        <p:cTn id="58" dur="1" fill="hold">
+                                          <p:stCondLst>
+                                            <p:cond delay="0"/>
+                                          </p:stCondLst>
+                                        </p:cTn>
+                                        <p:tgtEl>
+                                          <p:spTgt spid="3">
+                                            <p:txEl>
+                                              <p:pRg st="7" end="7"/>
+                                            </p:txEl>
+                                          </p:spTgt>
+                                        </p:tgtEl>
+                                        <p:attrNameLst>
+                                          <p:attrName>style.visibility</p:attrName>
+                                        </p:attrNameLst>
+                                      </p:cBhvr>
+                                      <p:to>
+                                        <p:strVal val="visible"/>
+                                      </p:to>
+                                    </p:set>
+                                    <p:animEffect transition="in" filter="fade">
+                                      <p:cBhvr>
+                                        <p:cTn id="59" dur="1000"/>
+                                        <p:tgtEl>
+                                          <p:spTgt spid="3">
+                                            <p:txEl>
+                                              <p:pRg st="7" end="7"/>
+                                            </p:txEl>
+                                          </p:spTgt>
+                                        </p:tgtEl>
+                                      </p:cBhvr>
+                                    </p:animEffect>
+                                    <p:anim calcmode="lin" valueType="num">
+                                      <p:cBhvr>
+                                        <p:cTn id="60" dur="1000" fill="hold"/>
+                                        <p:tgtEl>
+                                          <p:spTgt spid="3">
+                                            <p:txEl>
+                                              <p:pRg st="7" end="7"/>
+                                            </p:txEl>
+                                          </p:spTgt>
+                                        </p:tgtEl>
+                                        <p:attrNameLst>
+                                          <p:attrName>ppt_x</p:attrName>
+                                        </p:attrNameLst>
+                                      </p:cBhvr>
+                                      <p:tavLst>
+                                        <p:tav tm="0">
+                                          <p:val>
+                                            <p:strVal val="#ppt_x"/>
+                                          </p:val>
+                                        </p:tav>
+                                        <p:tav tm="100000">
+                                          <p:val>
+                                            <p:strVal val="#ppt_x"/>
+                                          </p:val>
+                                        </p:tav>
+                                      </p:tavLst>
+                                    </p:anim>
+                                    <p:anim calcmode="lin" valueType="num">
+                                      <p:cBhvr>
+                                        <p:cTn id="61" dur="1000" fill="hold"/>
+                                        <p:tgtEl>
+                                          <p:spTgt spid="3">
+                                            <p:txEl>
+                                              <p:pRg st="7" end="7"/>
+                                            </p:txEl>
+                                          </p:spTgt>
+                                        </p:tgtEl>
+                                        <p:attrNameLst>
+                                          <p:attrName>ppt_y</p:attrName>
+                                        </p:attrNameLst>
+                                      </p:cBhvr>
+                                      <p:tavLst>
+                                        <p:tav tm="0">
+                                          <p:val>
+                                            <p:strVal val="#ppt_y+.1"/>
+                                          </p:val>
+                                        </p:tav>
+                                        <p:tav tm="100000">
+                                          <p:val>
+                                            <p:strVal val="#ppt_y"/>
+                                          </p:val>
+                                        </p:tav>
+                                      </p:tavLst>
+                                    </p:anim>
+                                  </p:childTnLst>
+                                </p:cTn>
+                              </p:par>
+                            </p:childTnLst>
+                          </p:cTn>
+                        </p:par>
+                      </p:childTnLst>
+                    </p:cTn>
+                  </p:par>
+                  <p:par>
+                    <p:cTn id="62" fill="hold">
+                      <p:stCondLst>
+                        <p:cond delay="indefinite"/>
+                      </p:stCondLst>
+                      <p:childTnLst>
+                        <p:par>
+                          <p:cTn id="63" fill="hold">
+                            <p:stCondLst>
+                              <p:cond delay="0"/>
+                            </p:stCondLst>
+                            <p:childTnLst>
+                              <p:par>
+                                <p:cTn id="64" presetID="42" presetClass="entr" presetSubtype="0" fill="hold" grpId="0" nodeType="clickEffect">
+                                  <p:stCondLst>
+                                    <p:cond delay="0"/>
+                                  </p:stCondLst>
+                                  <p:childTnLst>
+                                    <p:set>
+                                      <p:cBhvr>
+                                        <p:cTn id="65" dur="1" fill="hold">
+                                          <p:stCondLst>
+                                            <p:cond delay="0"/>
+                                          </p:stCondLst>
+                                        </p:cTn>
+                                        <p:tgtEl>
+                                          <p:spTgt spid="3">
+                                            <p:txEl>
+                                              <p:pRg st="8" end="8"/>
+                                            </p:txEl>
+                                          </p:spTgt>
+                                        </p:tgtEl>
+                                        <p:attrNameLst>
+                                          <p:attrName>style.visibility</p:attrName>
+                                        </p:attrNameLst>
+                                      </p:cBhvr>
+                                      <p:to>
+                                        <p:strVal val="visible"/>
+                                      </p:to>
+                                    </p:set>
+                                    <p:animEffect transition="in" filter="fade">
+                                      <p:cBhvr>
+                                        <p:cTn id="66" dur="1000"/>
+                                        <p:tgtEl>
+                                          <p:spTgt spid="3">
+                                            <p:txEl>
+                                              <p:pRg st="8" end="8"/>
+                                            </p:txEl>
+                                          </p:spTgt>
+                                        </p:tgtEl>
+                                      </p:cBhvr>
+                                    </p:animEffect>
+                                    <p:anim calcmode="lin" valueType="num">
+                                      <p:cBhvr>
+                                        <p:cTn id="67" dur="1000" fill="hold"/>
+                                        <p:tgtEl>
+                                          <p:spTgt spid="3">
+                                            <p:txEl>
+                                              <p:pRg st="8" end="8"/>
+                                            </p:txEl>
+                                          </p:spTgt>
+                                        </p:tgtEl>
+                                        <p:attrNameLst>
+                                          <p:attrName>ppt_x</p:attrName>
+                                        </p:attrNameLst>
+                                      </p:cBhvr>
+                                      <p:tavLst>
+                                        <p:tav tm="0">
+                                          <p:val>
+                                            <p:strVal val="#ppt_x"/>
+                                          </p:val>
+                                        </p:tav>
+                                        <p:tav tm="100000">
+                                          <p:val>
+                                            <p:strVal val="#ppt_x"/>
+                                          </p:val>
+                                        </p:tav>
+                                      </p:tavLst>
+                                    </p:anim>
+                                    <p:anim calcmode="lin" valueType="num">
+                                      <p:cBhvr>
+                                        <p:cTn id="68" dur="1000" fill="hold"/>
+                                        <p:tgtEl>
+                                          <p:spTgt spid="3">
+                                            <p:txEl>
+                                              <p:pRg st="8" end="8"/>
+                                            </p:txEl>
+                                          </p:spTgt>
+                                        </p:tgtEl>
+                                        <p:attrNameLst>
+                                          <p:attrName>ppt_y</p:attrName>
+                                        </p:attrNameLst>
+                                      </p:cBhvr>
+                                      <p:tavLst>
+                                        <p:tav tm="0">
+                                          <p:val>
+                                            <p:strVal val="#ppt_y+.1"/>
+                                          </p:val>
+                                        </p:tav>
+                                        <p:tav tm="100000">
+                                          <p:val>
+                                            <p:strVal val="#ppt_y"/>
+                                          </p:val>
+                                        </p:tav>
+                                      </p:tavLst>
+                                    </p:anim>
+                                  </p:childTnLst>
+                                </p:cTn>
+                              </p:par>
+                            </p:childTnLst>
+                          </p:cTn>
+                        </p:par>
+                      </p:childTnLst>
+                    </p:cTn>
+                  </p:par>
+                  <p:par>
+                    <p:cTn id="69" fill="hold">
+                      <p:stCondLst>
+                        <p:cond delay="indefinite"/>
+                      </p:stCondLst>
+                      <p:childTnLst>
+                        <p:par>
+                          <p:cTn id="70" fill="hold">
+                            <p:stCondLst>
+                              <p:cond delay="0"/>
+                            </p:stCondLst>
+                            <p:childTnLst>
+                              <p:par>
+                                <p:cTn id="71" presetID="42" presetClass="entr" presetSubtype="0" fill="hold" grpId="0" nodeType="clickEffect">
+                                  <p:stCondLst>
+                                    <p:cond delay="0"/>
+                                  </p:stCondLst>
+                                  <p:childTnLst>
+                                    <p:set>
+                                      <p:cBhvr>
+                                        <p:cTn id="72" dur="1" fill="hold">
+                                          <p:stCondLst>
+                                            <p:cond delay="0"/>
+                                          </p:stCondLst>
+                                        </p:cTn>
+                                        <p:tgtEl>
+                                          <p:spTgt spid="3">
+                                            <p:txEl>
+                                              <p:pRg st="9" end="9"/>
+                                            </p:txEl>
+                                          </p:spTgt>
+                                        </p:tgtEl>
+                                        <p:attrNameLst>
+                                          <p:attrName>style.visibility</p:attrName>
+                                        </p:attrNameLst>
+                                      </p:cBhvr>
+                                      <p:to>
+                                        <p:strVal val="visible"/>
+                                      </p:to>
+                                    </p:set>
+                                    <p:animEffect transition="in" filter="fade">
+                                      <p:cBhvr>
+                                        <p:cTn id="73" dur="1000"/>
+                                        <p:tgtEl>
+                                          <p:spTgt spid="3">
+                                            <p:txEl>
+                                              <p:pRg st="9" end="9"/>
+                                            </p:txEl>
+                                          </p:spTgt>
+                                        </p:tgtEl>
+                                      </p:cBhvr>
+                                    </p:animEffect>
+                                    <p:anim calcmode="lin" valueType="num">
+                                      <p:cBhvr>
+                                        <p:cTn id="74" dur="1000" fill="hold"/>
+                                        <p:tgtEl>
+                                          <p:spTgt spid="3">
+                                            <p:txEl>
+                                              <p:pRg st="9" end="9"/>
+                                            </p:txEl>
+                                          </p:spTgt>
+                                        </p:tgtEl>
+                                        <p:attrNameLst>
+                                          <p:attrName>ppt_x</p:attrName>
+                                        </p:attrNameLst>
+                                      </p:cBhvr>
+                                      <p:tavLst>
+                                        <p:tav tm="0">
+                                          <p:val>
+                                            <p:strVal val="#ppt_x"/>
+                                          </p:val>
+                                        </p:tav>
+                                        <p:tav tm="100000">
+                                          <p:val>
+                                            <p:strVal val="#ppt_x"/>
+                                          </p:val>
+                                        </p:tav>
+                                      </p:tavLst>
+                                    </p:anim>
+                                    <p:anim calcmode="lin" valueType="num">
+                                      <p:cBhvr>
+                                        <p:cTn id="75" dur="1000" fill="hold"/>
+                                        <p:tgtEl>
+                                          <p:spTgt spid="3">
+                                            <p:txEl>
+                                              <p:pRg st="9" end="9"/>
+                                            </p:txEl>
+                                          </p:spTgt>
+                                        </p:tgtEl>
+                                        <p:attrNameLst>
+                                          <p:attrName>ppt_y</p:attrName>
+                                        </p:attrNameLst>
+                                      </p:cBhvr>
+                                      <p:tavLst>
+                                        <p:tav tm="0">
+                                          <p:val>
+                                            <p:strVal val="#ppt_y+.1"/>
+                                          </p:val>
+                                        </p:tav>
+                                        <p:tav tm="100000">
+                                          <p:val>
+                                            <p:strVal val="#ppt_y"/>
+                                          </p:val>
+                                        </p:tav>
+                                      </p:tavLst>
+                                    </p:anim>
+                                  </p:childTnLst>
+                                </p:cTn>
+                              </p:par>
+                            </p:childTnLst>
+                          </p:cTn>
+                        </p:par>
+                      </p:childTnLst>
+                    </p:cTn>
+                  </p:par>
+                  <p:par>
+                    <p:cTn id="76" fill="hold">
+                      <p:stCondLst>
+                        <p:cond delay="indefinite"/>
+                      </p:stCondLst>
+                      <p:childTnLst>
+                        <p:par>
+                          <p:cTn id="77" fill="hold">
+                            <p:stCondLst>
+                              <p:cond delay="0"/>
+                            </p:stCondLst>
+                            <p:childTnLst>
+                              <p:par>
+                                <p:cTn id="78" presetID="42" presetClass="entr" presetSubtype="0" fill="hold" grpId="0" nodeType="clickEffect">
+                                  <p:stCondLst>
+                                    <p:cond delay="0"/>
+                                  </p:stCondLst>
+                                  <p:childTnLst>
+                                    <p:set>
+                                      <p:cBhvr>
+                                        <p:cTn id="79" dur="1" fill="hold">
+                                          <p:stCondLst>
+                                            <p:cond delay="0"/>
+                                          </p:stCondLst>
+                                        </p:cTn>
+                                        <p:tgtEl>
+                                          <p:spTgt spid="3">
+                                            <p:txEl>
+                                              <p:pRg st="10" end="10"/>
+                                            </p:txEl>
+                                          </p:spTgt>
+                                        </p:tgtEl>
+                                        <p:attrNameLst>
+                                          <p:attrName>style.visibility</p:attrName>
+                                        </p:attrNameLst>
+                                      </p:cBhvr>
+                                      <p:to>
+                                        <p:strVal val="visible"/>
+                                      </p:to>
+                                    </p:set>
+                                    <p:animEffect transition="in" filter="fade">
+                                      <p:cBhvr>
+                                        <p:cTn id="80" dur="1000"/>
+                                        <p:tgtEl>
+                                          <p:spTgt spid="3">
+                                            <p:txEl>
+                                              <p:pRg st="10" end="10"/>
+                                            </p:txEl>
+                                          </p:spTgt>
+                                        </p:tgtEl>
+                                      </p:cBhvr>
+                                    </p:animEffect>
+                                    <p:anim calcmode="lin" valueType="num">
+                                      <p:cBhvr>
+                                        <p:cTn id="81" dur="1000" fill="hold"/>
+                                        <p:tgtEl>
+                                          <p:spTgt spid="3">
+                                            <p:txEl>
+                                              <p:pRg st="10" end="10"/>
+                                            </p:txEl>
+                                          </p:spTgt>
+                                        </p:tgtEl>
+                                        <p:attrNameLst>
+                                          <p:attrName>ppt_x</p:attrName>
+                                        </p:attrNameLst>
+                                      </p:cBhvr>
+                                      <p:tavLst>
+                                        <p:tav tm="0">
+                                          <p:val>
+                                            <p:strVal val="#ppt_x"/>
+                                          </p:val>
+                                        </p:tav>
+                                        <p:tav tm="100000">
+                                          <p:val>
+                                            <p:strVal val="#ppt_x"/>
+                                          </p:val>
+                                        </p:tav>
+                                      </p:tavLst>
+                                    </p:anim>
+                                    <p:anim calcmode="lin" valueType="num">
+                                      <p:cBhvr>
+                                        <p:cTn id="82" dur="1000" fill="hold"/>
+                                        <p:tgtEl>
+                                          <p:spTgt spid="3">
+                                            <p:txEl>
+                                              <p:pRg st="10" end="10"/>
+                                            </p:txEl>
+                                          </p:spTgt>
+                                        </p:tgtEl>
+                                        <p:attrNameLst>
+                                          <p:attrName>ppt_y</p:attrName>
+                                        </p:attrNameLst>
+                                      </p:cBhvr>
+                                      <p:tavLst>
+                                        <p:tav tm="0">
+                                          <p:val>
+                                            <p:strVal val="#ppt_y+.1"/>
+                                          </p:val>
+                                        </p:tav>
+                                        <p:tav tm="100000">
+                                          <p:val>
+                                            <p:strVal val="#ppt_y"/>
+                                          </p:val>
+                                        </p:tav>
+                                      </p:tavLst>
+                                    </p:anim>
+                                  </p:childTnLst>
+                                </p:cTn>
+                              </p:par>
+                            </p:childTnLst>
+                          </p:cTn>
+                        </p:par>
+                      </p:childTnLst>
+                    </p:cTn>
+                  </p:par>
+                </p:childTnLst>
+              </p:cTn>
+              <p:prevCondLst>
+                <p:cond evt="onPrev" delay="0">
+                  <p:tgtEl>
+                    <p:sldTgt/>
+                  </p:tgtEl>
+                </p:cond>
+              </p:prevCondLst>
+              <p:nextCondLst>
+                <p:cond evt="onNext" delay="0">
+                  <p:tgtEl>
+                    <p:sldTgt/>
+                  </p:tgtEl>
+                </p:cond>
+              </p:nextCondLst>
+            </p:seq>
+          </p:childTnLst>
+        </p:cTn>
+      </p:par>
+    </p:tnLst>
+    <p:bldLst>
+      <p:bldP spid="2" grpId="0"/>
+      <p:bldP spid="3" grpId="0" uiExpand="1" build="p"/>
+    </p:bldLst>
+  </p:timing>
 </p:sld>
 </file>
 
@@ -5930,39 +7298,355 @@
           <a:bodyPr/>
           <a:lstStyle/>
           <a:p>
-            <a:endParaRPr lang="en-GB"/>
-          </a:p>
-        </p:txBody>
-      </p:sp>
-      <p:sp>
-        <p:nvSpPr>
-          <p:cNvPr id="3" name="Content Placeholder 2">
+            <a:r>
+              <a:rPr lang="en-GB" dirty="0"/>
+              <a:t>Current State Of the project</a:t>
+            </a:r>
+          </a:p>
+        </p:txBody>
+      </p:sp>
+      <p:pic>
+        <p:nvPicPr>
+          <p:cNvPr id="5" name="Content Placeholder 4">
             <a:extLst>
               <a:ext uri="{FF2B5EF4-FFF2-40B4-BE49-F238E27FC236}">
-                <a16:creationId xmlns:a16="http://schemas.microsoft.com/office/drawing/2014/main" id="{CCC5CDE0-A74E-4514-A656-E9FFBA4BFD92}"/>
+                <a16:creationId xmlns:a16="http://schemas.microsoft.com/office/drawing/2014/main" id="{219B29FF-C113-4312-A0E4-97295522A019}"/>
               </a:ext>
             </a:extLst>
           </p:cNvPr>
-          <p:cNvSpPr>
-            <a:spLocks noGrp="1"/>
-          </p:cNvSpPr>
+          <p:cNvPicPr>
+            <a:picLocks noGrp="1" noChangeAspect="1"/>
+          </p:cNvPicPr>
           <p:nvPr>
             <p:ph idx="1"/>
           </p:nvPr>
-        </p:nvSpPr>
-        <p:spPr/>
-        <p:txBody>
-          <a:bodyPr/>
-          <a:lstStyle/>
-          <a:p>
-            <a:endParaRPr lang="en-GB"/>
-          </a:p>
-        </p:txBody>
-      </p:sp>
+        </p:nvPicPr>
+        <p:blipFill>
+          <a:blip r:embed="rId2"/>
+          <a:stretch>
+            <a:fillRect/>
+          </a:stretch>
+        </p:blipFill>
+        <p:spPr>
+          <a:xfrm>
+            <a:off x="3366715" y="2193925"/>
+            <a:ext cx="5458570" cy="4024313"/>
+          </a:xfrm>
+        </p:spPr>
+      </p:pic>
     </p:spTree>
     <p:extLst>
       <p:ext uri="{BB962C8B-B14F-4D97-AF65-F5344CB8AC3E}">
         <p14:creationId xmlns:p14="http://schemas.microsoft.com/office/powerpoint/2010/main" val="4267072192"/>
+      </p:ext>
+    </p:extLst>
+  </p:cSld>
+  <p:clrMapOvr>
+    <a:masterClrMapping/>
+  </p:clrMapOvr>
+  <p:timing>
+    <p:tnLst>
+      <p:par>
+        <p:cTn id="1" dur="indefinite" restart="never" nodeType="tmRoot">
+          <p:childTnLst>
+            <p:seq concurrent="1" nextAc="seek">
+              <p:cTn id="2" dur="indefinite" nodeType="mainSeq">
+                <p:childTnLst>
+                  <p:par>
+                    <p:cTn id="3" fill="hold">
+                      <p:stCondLst>
+                        <p:cond delay="indefinite"/>
+                      </p:stCondLst>
+                      <p:childTnLst>
+                        <p:par>
+                          <p:cTn id="4" fill="hold">
+                            <p:stCondLst>
+                              <p:cond delay="0"/>
+                            </p:stCondLst>
+                            <p:childTnLst>
+                              <p:par>
+                                <p:cTn id="5" presetID="2" presetClass="entr" presetSubtype="4" fill="hold" grpId="0" nodeType="clickEffect">
+                                  <p:stCondLst>
+                                    <p:cond delay="0"/>
+                                  </p:stCondLst>
+                                  <p:childTnLst>
+                                    <p:set>
+                                      <p:cBhvr>
+                                        <p:cTn id="6" dur="1" fill="hold">
+                                          <p:stCondLst>
+                                            <p:cond delay="0"/>
+                                          </p:stCondLst>
+                                        </p:cTn>
+                                        <p:tgtEl>
+                                          <p:spTgt spid="2"/>
+                                        </p:tgtEl>
+                                        <p:attrNameLst>
+                                          <p:attrName>style.visibility</p:attrName>
+                                        </p:attrNameLst>
+                                      </p:cBhvr>
+                                      <p:to>
+                                        <p:strVal val="visible"/>
+                                      </p:to>
+                                    </p:set>
+                                    <p:anim calcmode="lin" valueType="num">
+                                      <p:cBhvr additive="base">
+                                        <p:cTn id="7" dur="500" fill="hold"/>
+                                        <p:tgtEl>
+                                          <p:spTgt spid="2"/>
+                                        </p:tgtEl>
+                                        <p:attrNameLst>
+                                          <p:attrName>ppt_x</p:attrName>
+                                        </p:attrNameLst>
+                                      </p:cBhvr>
+                                      <p:tavLst>
+                                        <p:tav tm="0">
+                                          <p:val>
+                                            <p:strVal val="#ppt_x"/>
+                                          </p:val>
+                                        </p:tav>
+                                        <p:tav tm="100000">
+                                          <p:val>
+                                            <p:strVal val="#ppt_x"/>
+                                          </p:val>
+                                        </p:tav>
+                                      </p:tavLst>
+                                    </p:anim>
+                                    <p:anim calcmode="lin" valueType="num">
+                                      <p:cBhvr additive="base">
+                                        <p:cTn id="8" dur="500" fill="hold"/>
+                                        <p:tgtEl>
+                                          <p:spTgt spid="2"/>
+                                        </p:tgtEl>
+                                        <p:attrNameLst>
+                                          <p:attrName>ppt_y</p:attrName>
+                                        </p:attrNameLst>
+                                      </p:cBhvr>
+                                      <p:tavLst>
+                                        <p:tav tm="0">
+                                          <p:val>
+                                            <p:strVal val="1+#ppt_h/2"/>
+                                          </p:val>
+                                        </p:tav>
+                                        <p:tav tm="100000">
+                                          <p:val>
+                                            <p:strVal val="#ppt_y"/>
+                                          </p:val>
+                                        </p:tav>
+                                      </p:tavLst>
+                                    </p:anim>
+                                  </p:childTnLst>
+                                </p:cTn>
+                              </p:par>
+                            </p:childTnLst>
+                          </p:cTn>
+                        </p:par>
+                      </p:childTnLst>
+                    </p:cTn>
+                  </p:par>
+                  <p:par>
+                    <p:cTn id="9" fill="hold">
+                      <p:stCondLst>
+                        <p:cond delay="indefinite"/>
+                      </p:stCondLst>
+                      <p:childTnLst>
+                        <p:par>
+                          <p:cTn id="10" fill="hold">
+                            <p:stCondLst>
+                              <p:cond delay="0"/>
+                            </p:stCondLst>
+                            <p:childTnLst>
+                              <p:par>
+                                <p:cTn id="11" presetID="2" presetClass="entr" presetSubtype="4" fill="hold" nodeType="clickEffect">
+                                  <p:stCondLst>
+                                    <p:cond delay="0"/>
+                                  </p:stCondLst>
+                                  <p:childTnLst>
+                                    <p:set>
+                                      <p:cBhvr>
+                                        <p:cTn id="12" dur="1" fill="hold">
+                                          <p:stCondLst>
+                                            <p:cond delay="0"/>
+                                          </p:stCondLst>
+                                        </p:cTn>
+                                        <p:tgtEl>
+                                          <p:spTgt spid="5"/>
+                                        </p:tgtEl>
+                                        <p:attrNameLst>
+                                          <p:attrName>style.visibility</p:attrName>
+                                        </p:attrNameLst>
+                                      </p:cBhvr>
+                                      <p:to>
+                                        <p:strVal val="visible"/>
+                                      </p:to>
+                                    </p:set>
+                                    <p:anim calcmode="lin" valueType="num">
+                                      <p:cBhvr additive="base">
+                                        <p:cTn id="13" dur="500" fill="hold"/>
+                                        <p:tgtEl>
+                                          <p:spTgt spid="5"/>
+                                        </p:tgtEl>
+                                        <p:attrNameLst>
+                                          <p:attrName>ppt_x</p:attrName>
+                                        </p:attrNameLst>
+                                      </p:cBhvr>
+                                      <p:tavLst>
+                                        <p:tav tm="0">
+                                          <p:val>
+                                            <p:strVal val="#ppt_x"/>
+                                          </p:val>
+                                        </p:tav>
+                                        <p:tav tm="100000">
+                                          <p:val>
+                                            <p:strVal val="#ppt_x"/>
+                                          </p:val>
+                                        </p:tav>
+                                      </p:tavLst>
+                                    </p:anim>
+                                    <p:anim calcmode="lin" valueType="num">
+                                      <p:cBhvr additive="base">
+                                        <p:cTn id="14" dur="500" fill="hold"/>
+                                        <p:tgtEl>
+                                          <p:spTgt spid="5"/>
+                                        </p:tgtEl>
+                                        <p:attrNameLst>
+                                          <p:attrName>ppt_y</p:attrName>
+                                        </p:attrNameLst>
+                                      </p:cBhvr>
+                                      <p:tavLst>
+                                        <p:tav tm="0">
+                                          <p:val>
+                                            <p:strVal val="1+#ppt_h/2"/>
+                                          </p:val>
+                                        </p:tav>
+                                        <p:tav tm="100000">
+                                          <p:val>
+                                            <p:strVal val="#ppt_y"/>
+                                          </p:val>
+                                        </p:tav>
+                                      </p:tavLst>
+                                    </p:anim>
+                                  </p:childTnLst>
+                                </p:cTn>
+                              </p:par>
+                            </p:childTnLst>
+                          </p:cTn>
+                        </p:par>
+                      </p:childTnLst>
+                    </p:cTn>
+                  </p:par>
+                </p:childTnLst>
+              </p:cTn>
+              <p:prevCondLst>
+                <p:cond evt="onPrev" delay="0">
+                  <p:tgtEl>
+                    <p:sldTgt/>
+                  </p:tgtEl>
+                </p:cond>
+              </p:prevCondLst>
+              <p:nextCondLst>
+                <p:cond evt="onNext" delay="0">
+                  <p:tgtEl>
+                    <p:sldTgt/>
+                  </p:tgtEl>
+                </p:cond>
+              </p:nextCondLst>
+            </p:seq>
+          </p:childTnLst>
+        </p:cTn>
+      </p:par>
+    </p:tnLst>
+    <p:bldLst>
+      <p:bldP spid="2" grpId="0"/>
+    </p:bldLst>
+  </p:timing>
+</p:sld>
+</file>
+
+<file path=ppt/slides/slide4.xml><?xml version="1.0" encoding="utf-8"?>
+<p:sld xmlns:a="http://schemas.openxmlformats.org/drawingml/2006/main" xmlns:r="http://schemas.openxmlformats.org/officeDocument/2006/relationships" xmlns:p="http://schemas.openxmlformats.org/presentationml/2006/main">
+  <p:cSld>
+    <p:spTree>
+      <p:nvGrpSpPr>
+        <p:cNvPr id="1" name=""/>
+        <p:cNvGrpSpPr/>
+        <p:nvPr/>
+      </p:nvGrpSpPr>
+      <p:grpSpPr>
+        <a:xfrm>
+          <a:off x="0" y="0"/>
+          <a:ext cx="0" cy="0"/>
+          <a:chOff x="0" y="0"/>
+          <a:chExt cx="0" cy="0"/>
+        </a:xfrm>
+      </p:grpSpPr>
+      <p:sp>
+        <p:nvSpPr>
+          <p:cNvPr id="2" name="Title 1">
+            <a:extLst>
+              <a:ext uri="{FF2B5EF4-FFF2-40B4-BE49-F238E27FC236}">
+                <a16:creationId xmlns:a16="http://schemas.microsoft.com/office/drawing/2014/main" id="{D85E9FFC-7D2F-41FC-A115-8944C8239EC2}"/>
+              </a:ext>
+            </a:extLst>
+          </p:cNvPr>
+          <p:cNvSpPr>
+            <a:spLocks noGrp="1"/>
+          </p:cNvSpPr>
+          <p:nvPr>
+            <p:ph type="title"/>
+          </p:nvPr>
+        </p:nvSpPr>
+        <p:spPr/>
+        <p:txBody>
+          <a:bodyPr/>
+          <a:lstStyle/>
+          <a:p>
+            <a:r>
+              <a:rPr lang="en-GB" dirty="0"/>
+              <a:t>Current State Of the project</a:t>
+            </a:r>
+          </a:p>
+        </p:txBody>
+      </p:sp>
+      <p:sp>
+        <p:nvSpPr>
+          <p:cNvPr id="3" name="Content Placeholder 2">
+            <a:extLst>
+              <a:ext uri="{FF2B5EF4-FFF2-40B4-BE49-F238E27FC236}">
+                <a16:creationId xmlns:a16="http://schemas.microsoft.com/office/drawing/2014/main" id="{F4A6C17B-F4FA-47EF-9CD3-961F312F2A2F}"/>
+              </a:ext>
+            </a:extLst>
+          </p:cNvPr>
+          <p:cNvSpPr>
+            <a:spLocks noGrp="1"/>
+          </p:cNvSpPr>
+          <p:nvPr>
+            <p:ph idx="1"/>
+          </p:nvPr>
+        </p:nvSpPr>
+        <p:spPr/>
+        <p:txBody>
+          <a:bodyPr/>
+          <a:lstStyle/>
+          <a:p>
+            <a:r>
+              <a:rPr lang="en-GB" dirty="0"/>
+              <a:t>Building is ahead </a:t>
+            </a:r>
+            <a:r>
+              <a:rPr lang="en-GB"/>
+              <a:t>of Schedule</a:t>
+            </a:r>
+          </a:p>
+          <a:p>
+            <a:pPr lvl="1"/>
+            <a:endParaRPr lang="en-GB"/>
+          </a:p>
+        </p:txBody>
+      </p:sp>
+    </p:spTree>
+    <p:extLst>
+      <p:ext uri="{BB962C8B-B14F-4D97-AF65-F5344CB8AC3E}">
+        <p14:creationId xmlns:p14="http://schemas.microsoft.com/office/powerpoint/2010/main" val="588170785"/>
       </p:ext>
     </p:extLst>
   </p:cSld>

--- a/Final-Year-Project/Presentations/Assessed Progress presentation.pptx
+++ b/Final-Year-Project/Presentations/Assessed Progress presentation.pptx
@@ -9,6 +9,7 @@
     <p:sldId id="257" r:id="rId3"/>
     <p:sldId id="258" r:id="rId4"/>
     <p:sldId id="259" r:id="rId5"/>
+    <p:sldId id="260" r:id="rId6"/>
   </p:sldIdLst>
   <p:sldSz cx="12192000" cy="6858000"/>
   <p:notesSz cx="6858000" cy="9144000"/>
@@ -285,7 +286,7 @@
           <a:p>
             <a:fld id="{48A87A34-81AB-432B-8DAE-1953F412C126}" type="datetimeFigureOut">
               <a:rPr lang="en-US" dirty="0"/>
-              <a:t>11/23/2018</a:t>
+              <a:t>12/21/2018</a:t>
             </a:fld>
             <a:endParaRPr lang="en-US" dirty="0"/>
           </a:p>
@@ -547,7 +548,7 @@
           <a:p>
             <a:fld id="{48A87A34-81AB-432B-8DAE-1953F412C126}" type="datetimeFigureOut">
               <a:rPr lang="en-US" dirty="0"/>
-              <a:t>11/23/2018</a:t>
+              <a:t>12/21/2018</a:t>
             </a:fld>
             <a:endParaRPr lang="en-US" dirty="0"/>
           </a:p>
@@ -774,7 +775,7 @@
             <a:fld id="{48A87A34-81AB-432B-8DAE-1953F412C126}" type="datetimeFigureOut">
               <a:rPr lang="en-US" dirty="0"/>
               <a:pPr/>
-              <a:t>11/23/2018</a:t>
+              <a:t>12/21/2018</a:t>
             </a:fld>
             <a:endParaRPr lang="en-US" dirty="0"/>
           </a:p>
@@ -1080,7 +1081,7 @@
             <a:fld id="{48A87A34-81AB-432B-8DAE-1953F412C126}" type="datetimeFigureOut">
               <a:rPr lang="en-US" dirty="0"/>
               <a:pPr/>
-              <a:t>11/23/2018</a:t>
+              <a:t>12/21/2018</a:t>
             </a:fld>
             <a:endParaRPr lang="en-US" dirty="0"/>
           </a:p>
@@ -1549,7 +1550,7 @@
             <a:fld id="{48A87A34-81AB-432B-8DAE-1953F412C126}" type="datetimeFigureOut">
               <a:rPr lang="en-US" dirty="0"/>
               <a:pPr/>
-              <a:t>11/23/2018</a:t>
+              <a:t>12/21/2018</a:t>
             </a:fld>
             <a:endParaRPr lang="en-US" dirty="0"/>
           </a:p>
@@ -2091,7 +2092,7 @@
           <a:p>
             <a:fld id="{48A87A34-81AB-432B-8DAE-1953F412C126}" type="datetimeFigureOut">
               <a:rPr lang="en-US" dirty="0"/>
-              <a:t>11/23/2018</a:t>
+              <a:t>12/21/2018</a:t>
             </a:fld>
             <a:endParaRPr lang="en-US" dirty="0"/>
           </a:p>
@@ -2860,7 +2861,7 @@
           <a:p>
             <a:fld id="{48A87A34-81AB-432B-8DAE-1953F412C126}" type="datetimeFigureOut">
               <a:rPr lang="en-US" dirty="0"/>
-              <a:t>11/23/2018</a:t>
+              <a:t>12/21/2018</a:t>
             </a:fld>
             <a:endParaRPr lang="en-US" dirty="0"/>
           </a:p>
@@ -3030,7 +3031,7 @@
           <a:p>
             <a:fld id="{48A87A34-81AB-432B-8DAE-1953F412C126}" type="datetimeFigureOut">
               <a:rPr lang="en-US" dirty="0"/>
-              <a:t>11/23/2018</a:t>
+              <a:t>12/21/2018</a:t>
             </a:fld>
             <a:endParaRPr lang="en-US" dirty="0"/>
           </a:p>
@@ -3249,7 +3250,7 @@
             <a:fld id="{48A87A34-81AB-432B-8DAE-1953F412C126}" type="datetimeFigureOut">
               <a:rPr lang="en-US" dirty="0"/>
               <a:pPr/>
-              <a:t>11/23/2018</a:t>
+              <a:t>12/21/2018</a:t>
             </a:fld>
             <a:endParaRPr lang="en-US" dirty="0"/>
           </a:p>
@@ -3424,7 +3425,7 @@
           <a:p>
             <a:fld id="{48A87A34-81AB-432B-8DAE-1953F412C126}" type="datetimeFigureOut">
               <a:rPr lang="en-US" dirty="0"/>
-              <a:t>11/23/2018</a:t>
+              <a:t>12/21/2018</a:t>
             </a:fld>
             <a:endParaRPr lang="en-US" dirty="0"/>
           </a:p>
@@ -3709,7 +3710,7 @@
             <a:fld id="{48A87A34-81AB-432B-8DAE-1953F412C126}" type="datetimeFigureOut">
               <a:rPr lang="en-US" dirty="0"/>
               <a:pPr/>
-              <a:t>11/23/2018</a:t>
+              <a:t>12/21/2018</a:t>
             </a:fld>
             <a:endParaRPr lang="en-US" dirty="0"/>
           </a:p>
@@ -3946,7 +3947,7 @@
           <a:p>
             <a:fld id="{48A87A34-81AB-432B-8DAE-1953F412C126}" type="datetimeFigureOut">
               <a:rPr lang="en-US" dirty="0"/>
-              <a:t>11/23/2018</a:t>
+              <a:t>12/21/2018</a:t>
             </a:fld>
             <a:endParaRPr lang="en-US" dirty="0"/>
           </a:p>
@@ -4320,7 +4321,7 @@
           <a:p>
             <a:fld id="{48A87A34-81AB-432B-8DAE-1953F412C126}" type="datetimeFigureOut">
               <a:rPr lang="en-US" dirty="0"/>
-              <a:t>11/23/2018</a:t>
+              <a:t>12/21/2018</a:t>
             </a:fld>
             <a:endParaRPr lang="en-US" dirty="0"/>
           </a:p>
@@ -4433,7 +4434,7 @@
           <a:p>
             <a:fld id="{48A87A34-81AB-432B-8DAE-1953F412C126}" type="datetimeFigureOut">
               <a:rPr lang="en-US" dirty="0"/>
-              <a:t>11/23/2018</a:t>
+              <a:t>12/21/2018</a:t>
             </a:fld>
             <a:endParaRPr lang="en-US" dirty="0"/>
           </a:p>
@@ -4523,7 +4524,7 @@
           <a:p>
             <a:fld id="{48A87A34-81AB-432B-8DAE-1953F412C126}" type="datetimeFigureOut">
               <a:rPr lang="en-US" dirty="0"/>
-              <a:t>11/23/2018</a:t>
+              <a:t>12/21/2018</a:t>
             </a:fld>
             <a:endParaRPr lang="en-US" dirty="0"/>
           </a:p>
@@ -4767,7 +4768,7 @@
           <a:p>
             <a:fld id="{48A87A34-81AB-432B-8DAE-1953F412C126}" type="datetimeFigureOut">
               <a:rPr lang="en-US" dirty="0"/>
-              <a:t>11/23/2018</a:t>
+              <a:t>12/21/2018</a:t>
             </a:fld>
             <a:endParaRPr lang="en-US" dirty="0"/>
           </a:p>
@@ -5019,7 +5020,7 @@
           <a:p>
             <a:fld id="{48A87A34-81AB-432B-8DAE-1953F412C126}" type="datetimeFigureOut">
               <a:rPr lang="en-US" dirty="0"/>
-              <a:t>11/23/2018</a:t>
+              <a:t>12/21/2018</a:t>
             </a:fld>
             <a:endParaRPr lang="en-US" dirty="0"/>
           </a:p>
@@ -5258,7 +5259,7 @@
             <a:fld id="{48A87A34-81AB-432B-8DAE-1953F412C126}" type="datetimeFigureOut">
               <a:rPr lang="en-US" dirty="0"/>
               <a:pPr/>
-              <a:t>11/23/2018</a:t>
+              <a:t>12/21/2018</a:t>
             </a:fld>
             <a:endParaRPr lang="en-US" dirty="0"/>
           </a:p>
@@ -7630,16 +7631,65 @@
           <a:p>
             <a:r>
               <a:rPr lang="en-GB" dirty="0"/>
-              <a:t>Building is ahead </a:t>
-            </a:r>
-            <a:r>
-              <a:rPr lang="en-GB"/>
-              <a:t>of Schedule</a:t>
+              <a:t>Building is ahead of Schedule</a:t>
             </a:r>
           </a:p>
           <a:p>
             <a:pPr lvl="1"/>
-            <a:endParaRPr lang="en-GB"/>
+            <a:endParaRPr lang="en-GB" dirty="0"/>
+          </a:p>
+          <a:p>
+            <a:pPr lvl="1"/>
+            <a:r>
+              <a:rPr lang="en-GB" dirty="0"/>
+              <a:t>Working fully soldered Arduino system</a:t>
+            </a:r>
+          </a:p>
+          <a:p>
+            <a:pPr lvl="1"/>
+            <a:r>
+              <a:rPr lang="en-GB" dirty="0"/>
+              <a:t>Raspberry Pi reads serial communications from Arduino</a:t>
+            </a:r>
+          </a:p>
+          <a:p>
+            <a:pPr lvl="1"/>
+            <a:r>
+              <a:rPr lang="en-GB" dirty="0"/>
+              <a:t>Raspberry Pi has working camera feed</a:t>
+            </a:r>
+          </a:p>
+          <a:p>
+            <a:pPr lvl="1"/>
+            <a:r>
+              <a:rPr lang="en-GB" dirty="0"/>
+              <a:t>Raspberry Pi hosts a website on the local network</a:t>
+            </a:r>
+          </a:p>
+          <a:p>
+            <a:pPr lvl="2"/>
+            <a:r>
+              <a:rPr lang="en-GB" dirty="0"/>
+              <a:t>Website has place holders for temperature readings</a:t>
+            </a:r>
+          </a:p>
+          <a:p>
+            <a:pPr lvl="2"/>
+            <a:r>
+              <a:rPr lang="en-GB" dirty="0"/>
+              <a:t>Website hosts camera module feed</a:t>
+            </a:r>
+          </a:p>
+          <a:p>
+            <a:pPr lvl="2"/>
+            <a:r>
+              <a:rPr lang="en-GB" dirty="0"/>
+              <a:t>Don’t have network permissions to use port forwarding</a:t>
+            </a:r>
+          </a:p>
+          <a:p>
+            <a:pPr lvl="2"/>
+            <a:endParaRPr lang="en-GB" dirty="0"/>
           </a:p>
         </p:txBody>
       </p:sp>
@@ -7647,6 +7697,155 @@
     <p:extLst>
       <p:ext uri="{BB962C8B-B14F-4D97-AF65-F5344CB8AC3E}">
         <p14:creationId xmlns:p14="http://schemas.microsoft.com/office/powerpoint/2010/main" val="588170785"/>
+      </p:ext>
+    </p:extLst>
+  </p:cSld>
+  <p:clrMapOvr>
+    <a:masterClrMapping/>
+  </p:clrMapOvr>
+</p:sld>
+</file>
+
+<file path=ppt/slides/slide5.xml><?xml version="1.0" encoding="utf-8"?>
+<p:sld xmlns:a="http://schemas.openxmlformats.org/drawingml/2006/main" xmlns:r="http://schemas.openxmlformats.org/officeDocument/2006/relationships" xmlns:p="http://schemas.openxmlformats.org/presentationml/2006/main">
+  <p:cSld>
+    <p:spTree>
+      <p:nvGrpSpPr>
+        <p:cNvPr id="1" name=""/>
+        <p:cNvGrpSpPr/>
+        <p:nvPr/>
+      </p:nvGrpSpPr>
+      <p:grpSpPr>
+        <a:xfrm>
+          <a:off x="0" y="0"/>
+          <a:ext cx="0" cy="0"/>
+          <a:chOff x="0" y="0"/>
+          <a:chExt cx="0" cy="0"/>
+        </a:xfrm>
+      </p:grpSpPr>
+      <p:sp>
+        <p:nvSpPr>
+          <p:cNvPr id="2" name="Title 1">
+            <a:extLst>
+              <a:ext uri="{FF2B5EF4-FFF2-40B4-BE49-F238E27FC236}">
+                <a16:creationId xmlns:a16="http://schemas.microsoft.com/office/drawing/2014/main" id="{929805CD-B60B-4B90-8B03-C2806289C458}"/>
+              </a:ext>
+            </a:extLst>
+          </p:cNvPr>
+          <p:cNvSpPr>
+            <a:spLocks noGrp="1"/>
+          </p:cNvSpPr>
+          <p:nvPr>
+            <p:ph type="title"/>
+          </p:nvPr>
+        </p:nvSpPr>
+        <p:spPr/>
+        <p:txBody>
+          <a:bodyPr/>
+          <a:lstStyle/>
+          <a:p>
+            <a:r>
+              <a:rPr lang="en-GB" dirty="0"/>
+              <a:t>Next steps of the project</a:t>
+            </a:r>
+          </a:p>
+        </p:txBody>
+      </p:sp>
+      <p:sp>
+        <p:nvSpPr>
+          <p:cNvPr id="3" name="Content Placeholder 2">
+            <a:extLst>
+              <a:ext uri="{FF2B5EF4-FFF2-40B4-BE49-F238E27FC236}">
+                <a16:creationId xmlns:a16="http://schemas.microsoft.com/office/drawing/2014/main" id="{47B545D4-422E-43D6-AC50-A5C8BC6BFFB1}"/>
+              </a:ext>
+            </a:extLst>
+          </p:cNvPr>
+          <p:cNvSpPr>
+            <a:spLocks noGrp="1"/>
+          </p:cNvSpPr>
+          <p:nvPr>
+            <p:ph idx="1"/>
+          </p:nvPr>
+        </p:nvSpPr>
+        <p:spPr/>
+        <p:txBody>
+          <a:bodyPr/>
+          <a:lstStyle/>
+          <a:p>
+            <a:r>
+              <a:rPr lang="en-GB" dirty="0"/>
+              <a:t>Change web server solution to use a JavaScript based service</a:t>
+            </a:r>
+          </a:p>
+          <a:p>
+            <a:pPr lvl="1"/>
+            <a:r>
+              <a:rPr lang="en-GB" dirty="0"/>
+              <a:t>I will be using Node.js to as the new host to my webserver</a:t>
+            </a:r>
+          </a:p>
+          <a:p>
+            <a:pPr lvl="1"/>
+            <a:r>
+              <a:rPr lang="en-GB" dirty="0"/>
+              <a:t>This is instead of my current solution apache2</a:t>
+            </a:r>
+          </a:p>
+          <a:p>
+            <a:r>
+              <a:rPr lang="en-GB" dirty="0"/>
+              <a:t>Add in automatically updating data using AJAX and JavaScript</a:t>
+            </a:r>
+          </a:p>
+          <a:p>
+            <a:pPr lvl="1"/>
+            <a:r>
+              <a:rPr lang="en-GB" dirty="0"/>
+              <a:t>I will be using AJAX to send the updated data to the website</a:t>
+            </a:r>
+          </a:p>
+          <a:p>
+            <a:pPr lvl="1"/>
+            <a:r>
+              <a:rPr lang="en-GB" dirty="0"/>
+              <a:t>I will switch from python managing my GPIO to JavaScript. </a:t>
+            </a:r>
+          </a:p>
+          <a:p>
+            <a:pPr lvl="2"/>
+            <a:r>
+              <a:rPr lang="en-GB" dirty="0"/>
+              <a:t>This is to streamline the programming of my project</a:t>
+            </a:r>
+          </a:p>
+          <a:p>
+            <a:pPr lvl="2"/>
+            <a:r>
+              <a:rPr lang="en-GB" dirty="0"/>
+              <a:t>Making this change will make the project easier to replicate</a:t>
+            </a:r>
+          </a:p>
+          <a:p>
+            <a:pPr lvl="2"/>
+            <a:r>
+              <a:rPr lang="en-GB" dirty="0"/>
+              <a:t>This change will also make the code easier to read </a:t>
+            </a:r>
+            <a:r>
+              <a:rPr lang="en-GB"/>
+              <a:t>and understand</a:t>
+            </a:r>
+            <a:endParaRPr lang="en-GB" dirty="0"/>
+          </a:p>
+          <a:p>
+            <a:endParaRPr lang="en-GB" dirty="0"/>
+          </a:p>
+        </p:txBody>
+      </p:sp>
+    </p:spTree>
+    <p:extLst>
+      <p:ext uri="{BB962C8B-B14F-4D97-AF65-F5344CB8AC3E}">
+        <p14:creationId xmlns:p14="http://schemas.microsoft.com/office/powerpoint/2010/main" val="643119499"/>
       </p:ext>
     </p:extLst>
   </p:cSld>

--- a/Final-Year-Project/Presentations/Assessed Progress presentation.pptx
+++ b/Final-Year-Project/Presentations/Assessed Progress presentation.pptx
@@ -4,12 +4,16 @@
   <p:sldMasterIdLst>
     <p:sldMasterId id="2147483648" r:id="rId1"/>
   </p:sldMasterIdLst>
+  <p:notesMasterIdLst>
+    <p:notesMasterId r:id="rId8"/>
+  </p:notesMasterIdLst>
   <p:sldIdLst>
     <p:sldId id="256" r:id="rId2"/>
     <p:sldId id="257" r:id="rId3"/>
     <p:sldId id="258" r:id="rId4"/>
     <p:sldId id="259" r:id="rId5"/>
     <p:sldId id="260" r:id="rId6"/>
+    <p:sldId id="261" r:id="rId7"/>
   </p:sldIdLst>
   <p:sldSz cx="12192000" cy="6858000"/>
   <p:notesSz cx="6858000" cy="9144000"/>
@@ -116,6 +120,443 @@
 </p:presentation>
 </file>
 
+<file path=ppt/notesMasters/notesMaster1.xml><?xml version="1.0" encoding="utf-8"?>
+<p:notesMaster xmlns:a="http://schemas.openxmlformats.org/drawingml/2006/main" xmlns:r="http://schemas.openxmlformats.org/officeDocument/2006/relationships" xmlns:p="http://schemas.openxmlformats.org/presentationml/2006/main">
+  <p:cSld>
+    <p:bg>
+      <p:bgRef idx="1001">
+        <a:schemeClr val="bg1"/>
+      </p:bgRef>
+    </p:bg>
+    <p:spTree>
+      <p:nvGrpSpPr>
+        <p:cNvPr id="1" name=""/>
+        <p:cNvGrpSpPr/>
+        <p:nvPr/>
+      </p:nvGrpSpPr>
+      <p:grpSpPr>
+        <a:xfrm>
+          <a:off x="0" y="0"/>
+          <a:ext cx="0" cy="0"/>
+          <a:chOff x="0" y="0"/>
+          <a:chExt cx="0" cy="0"/>
+        </a:xfrm>
+      </p:grpSpPr>
+      <p:sp>
+        <p:nvSpPr>
+          <p:cNvPr id="2" name="Header Placeholder 1"/>
+          <p:cNvSpPr>
+            <a:spLocks noGrp="1"/>
+          </p:cNvSpPr>
+          <p:nvPr>
+            <p:ph type="hdr" sz="quarter"/>
+          </p:nvPr>
+        </p:nvSpPr>
+        <p:spPr>
+          <a:xfrm>
+            <a:off x="0" y="0"/>
+            <a:ext cx="2971800" cy="458788"/>
+          </a:xfrm>
+          <a:prstGeom prst="rect">
+            <a:avLst/>
+          </a:prstGeom>
+        </p:spPr>
+        <p:txBody>
+          <a:bodyPr vert="horz" lIns="91440" tIns="45720" rIns="91440" bIns="45720" rtlCol="0"/>
+          <a:lstStyle>
+            <a:lvl1pPr algn="l">
+              <a:defRPr sz="1200"/>
+            </a:lvl1pPr>
+          </a:lstStyle>
+          <a:p>
+            <a:endParaRPr lang="en-GB"/>
+          </a:p>
+        </p:txBody>
+      </p:sp>
+      <p:sp>
+        <p:nvSpPr>
+          <p:cNvPr id="3" name="Date Placeholder 2"/>
+          <p:cNvSpPr>
+            <a:spLocks noGrp="1"/>
+          </p:cNvSpPr>
+          <p:nvPr>
+            <p:ph type="dt" idx="1"/>
+          </p:nvPr>
+        </p:nvSpPr>
+        <p:spPr>
+          <a:xfrm>
+            <a:off x="3884613" y="0"/>
+            <a:ext cx="2971800" cy="458788"/>
+          </a:xfrm>
+          <a:prstGeom prst="rect">
+            <a:avLst/>
+          </a:prstGeom>
+        </p:spPr>
+        <p:txBody>
+          <a:bodyPr vert="horz" lIns="91440" tIns="45720" rIns="91440" bIns="45720" rtlCol="0"/>
+          <a:lstStyle>
+            <a:lvl1pPr algn="r">
+              <a:defRPr sz="1200"/>
+            </a:lvl1pPr>
+          </a:lstStyle>
+          <a:p>
+            <a:fld id="{7154161B-7CE8-49F4-A3C6-4CD9F415B043}" type="datetimeFigureOut">
+              <a:rPr lang="en-GB" smtClean="0"/>
+              <a:t>24/12/2018</a:t>
+            </a:fld>
+            <a:endParaRPr lang="en-GB"/>
+          </a:p>
+        </p:txBody>
+      </p:sp>
+      <p:sp>
+        <p:nvSpPr>
+          <p:cNvPr id="4" name="Slide Image Placeholder 3"/>
+          <p:cNvSpPr>
+            <a:spLocks noGrp="1" noRot="1" noChangeAspect="1"/>
+          </p:cNvSpPr>
+          <p:nvPr>
+            <p:ph type="sldImg" idx="2"/>
+          </p:nvPr>
+        </p:nvSpPr>
+        <p:spPr>
+          <a:xfrm>
+            <a:off x="685800" y="1143000"/>
+            <a:ext cx="5486400" cy="3086100"/>
+          </a:xfrm>
+          <a:prstGeom prst="rect">
+            <a:avLst/>
+          </a:prstGeom>
+          <a:noFill/>
+          <a:ln w="12700">
+            <a:solidFill>
+              <a:prstClr val="black"/>
+            </a:solidFill>
+          </a:ln>
+        </p:spPr>
+        <p:txBody>
+          <a:bodyPr vert="horz" lIns="91440" tIns="45720" rIns="91440" bIns="45720" rtlCol="0" anchor="ctr"/>
+          <a:lstStyle/>
+          <a:p>
+            <a:endParaRPr lang="en-GB"/>
+          </a:p>
+        </p:txBody>
+      </p:sp>
+      <p:sp>
+        <p:nvSpPr>
+          <p:cNvPr id="5" name="Notes Placeholder 4"/>
+          <p:cNvSpPr>
+            <a:spLocks noGrp="1"/>
+          </p:cNvSpPr>
+          <p:nvPr>
+            <p:ph type="body" sz="quarter" idx="3"/>
+          </p:nvPr>
+        </p:nvSpPr>
+        <p:spPr>
+          <a:xfrm>
+            <a:off x="685800" y="4400550"/>
+            <a:ext cx="5486400" cy="3600450"/>
+          </a:xfrm>
+          <a:prstGeom prst="rect">
+            <a:avLst/>
+          </a:prstGeom>
+        </p:spPr>
+        <p:txBody>
+          <a:bodyPr vert="horz" lIns="91440" tIns="45720" rIns="91440" bIns="45720" rtlCol="0"/>
+          <a:lstStyle/>
+          <a:p>
+            <a:pPr lvl="0"/>
+            <a:r>
+              <a:rPr lang="en-US"/>
+              <a:t>Edit Master text styles</a:t>
+            </a:r>
+          </a:p>
+          <a:p>
+            <a:pPr lvl="1"/>
+            <a:r>
+              <a:rPr lang="en-US"/>
+              <a:t>Second level</a:t>
+            </a:r>
+          </a:p>
+          <a:p>
+            <a:pPr lvl="2"/>
+            <a:r>
+              <a:rPr lang="en-US"/>
+              <a:t>Third level</a:t>
+            </a:r>
+          </a:p>
+          <a:p>
+            <a:pPr lvl="3"/>
+            <a:r>
+              <a:rPr lang="en-US"/>
+              <a:t>Fourth level</a:t>
+            </a:r>
+          </a:p>
+          <a:p>
+            <a:pPr lvl="4"/>
+            <a:r>
+              <a:rPr lang="en-US"/>
+              <a:t>Fifth level</a:t>
+            </a:r>
+            <a:endParaRPr lang="en-GB"/>
+          </a:p>
+        </p:txBody>
+      </p:sp>
+      <p:sp>
+        <p:nvSpPr>
+          <p:cNvPr id="6" name="Footer Placeholder 5"/>
+          <p:cNvSpPr>
+            <a:spLocks noGrp="1"/>
+          </p:cNvSpPr>
+          <p:nvPr>
+            <p:ph type="ftr" sz="quarter" idx="4"/>
+          </p:nvPr>
+        </p:nvSpPr>
+        <p:spPr>
+          <a:xfrm>
+            <a:off x="0" y="8685213"/>
+            <a:ext cx="2971800" cy="458787"/>
+          </a:xfrm>
+          <a:prstGeom prst="rect">
+            <a:avLst/>
+          </a:prstGeom>
+        </p:spPr>
+        <p:txBody>
+          <a:bodyPr vert="horz" lIns="91440" tIns="45720" rIns="91440" bIns="45720" rtlCol="0" anchor="b"/>
+          <a:lstStyle>
+            <a:lvl1pPr algn="l">
+              <a:defRPr sz="1200"/>
+            </a:lvl1pPr>
+          </a:lstStyle>
+          <a:p>
+            <a:endParaRPr lang="en-GB"/>
+          </a:p>
+        </p:txBody>
+      </p:sp>
+      <p:sp>
+        <p:nvSpPr>
+          <p:cNvPr id="7" name="Slide Number Placeholder 6"/>
+          <p:cNvSpPr>
+            <a:spLocks noGrp="1"/>
+          </p:cNvSpPr>
+          <p:nvPr>
+            <p:ph type="sldNum" sz="quarter" idx="5"/>
+          </p:nvPr>
+        </p:nvSpPr>
+        <p:spPr>
+          <a:xfrm>
+            <a:off x="3884613" y="8685213"/>
+            <a:ext cx="2971800" cy="458787"/>
+          </a:xfrm>
+          <a:prstGeom prst="rect">
+            <a:avLst/>
+          </a:prstGeom>
+        </p:spPr>
+        <p:txBody>
+          <a:bodyPr vert="horz" lIns="91440" tIns="45720" rIns="91440" bIns="45720" rtlCol="0" anchor="b"/>
+          <a:lstStyle>
+            <a:lvl1pPr algn="r">
+              <a:defRPr sz="1200"/>
+            </a:lvl1pPr>
+          </a:lstStyle>
+          <a:p>
+            <a:fld id="{0AC8107D-CE22-4527-A707-CAE94DF850AE}" type="slidenum">
+              <a:rPr lang="en-GB" smtClean="0"/>
+              <a:t>‹#›</a:t>
+            </a:fld>
+            <a:endParaRPr lang="en-GB"/>
+          </a:p>
+        </p:txBody>
+      </p:sp>
+    </p:spTree>
+    <p:extLst>
+      <p:ext uri="{BB962C8B-B14F-4D97-AF65-F5344CB8AC3E}">
+        <p14:creationId xmlns:p14="http://schemas.microsoft.com/office/powerpoint/2010/main" val="1613032342"/>
+      </p:ext>
+    </p:extLst>
+  </p:cSld>
+  <p:clrMap bg1="lt1" tx1="dk1" bg2="lt2" tx2="dk2" accent1="accent1" accent2="accent2" accent3="accent3" accent4="accent4" accent5="accent5" accent6="accent6" hlink="hlink" folHlink="folHlink"/>
+  <p:notesStyle>
+    <a:lvl1pPr marL="0" algn="l" defTabSz="914400" rtl="0" eaLnBrk="1" latinLnBrk="0" hangingPunct="1">
+      <a:defRPr sz="1200" kern="1200">
+        <a:solidFill>
+          <a:schemeClr val="tx1"/>
+        </a:solidFill>
+        <a:latin typeface="+mn-lt"/>
+        <a:ea typeface="+mn-ea"/>
+        <a:cs typeface="+mn-cs"/>
+      </a:defRPr>
+    </a:lvl1pPr>
+    <a:lvl2pPr marL="457200" algn="l" defTabSz="914400" rtl="0" eaLnBrk="1" latinLnBrk="0" hangingPunct="1">
+      <a:defRPr sz="1200" kern="1200">
+        <a:solidFill>
+          <a:schemeClr val="tx1"/>
+        </a:solidFill>
+        <a:latin typeface="+mn-lt"/>
+        <a:ea typeface="+mn-ea"/>
+        <a:cs typeface="+mn-cs"/>
+      </a:defRPr>
+    </a:lvl2pPr>
+    <a:lvl3pPr marL="914400" algn="l" defTabSz="914400" rtl="0" eaLnBrk="1" latinLnBrk="0" hangingPunct="1">
+      <a:defRPr sz="1200" kern="1200">
+        <a:solidFill>
+          <a:schemeClr val="tx1"/>
+        </a:solidFill>
+        <a:latin typeface="+mn-lt"/>
+        <a:ea typeface="+mn-ea"/>
+        <a:cs typeface="+mn-cs"/>
+      </a:defRPr>
+    </a:lvl3pPr>
+    <a:lvl4pPr marL="1371600" algn="l" defTabSz="914400" rtl="0" eaLnBrk="1" latinLnBrk="0" hangingPunct="1">
+      <a:defRPr sz="1200" kern="1200">
+        <a:solidFill>
+          <a:schemeClr val="tx1"/>
+        </a:solidFill>
+        <a:latin typeface="+mn-lt"/>
+        <a:ea typeface="+mn-ea"/>
+        <a:cs typeface="+mn-cs"/>
+      </a:defRPr>
+    </a:lvl4pPr>
+    <a:lvl5pPr marL="1828800" algn="l" defTabSz="914400" rtl="0" eaLnBrk="1" latinLnBrk="0" hangingPunct="1">
+      <a:defRPr sz="1200" kern="1200">
+        <a:solidFill>
+          <a:schemeClr val="tx1"/>
+        </a:solidFill>
+        <a:latin typeface="+mn-lt"/>
+        <a:ea typeface="+mn-ea"/>
+        <a:cs typeface="+mn-cs"/>
+      </a:defRPr>
+    </a:lvl5pPr>
+    <a:lvl6pPr marL="2286000" algn="l" defTabSz="914400" rtl="0" eaLnBrk="1" latinLnBrk="0" hangingPunct="1">
+      <a:defRPr sz="1200" kern="1200">
+        <a:solidFill>
+          <a:schemeClr val="tx1"/>
+        </a:solidFill>
+        <a:latin typeface="+mn-lt"/>
+        <a:ea typeface="+mn-ea"/>
+        <a:cs typeface="+mn-cs"/>
+      </a:defRPr>
+    </a:lvl6pPr>
+    <a:lvl7pPr marL="2743200" algn="l" defTabSz="914400" rtl="0" eaLnBrk="1" latinLnBrk="0" hangingPunct="1">
+      <a:defRPr sz="1200" kern="1200">
+        <a:solidFill>
+          <a:schemeClr val="tx1"/>
+        </a:solidFill>
+        <a:latin typeface="+mn-lt"/>
+        <a:ea typeface="+mn-ea"/>
+        <a:cs typeface="+mn-cs"/>
+      </a:defRPr>
+    </a:lvl7pPr>
+    <a:lvl8pPr marL="3200400" algn="l" defTabSz="914400" rtl="0" eaLnBrk="1" latinLnBrk="0" hangingPunct="1">
+      <a:defRPr sz="1200" kern="1200">
+        <a:solidFill>
+          <a:schemeClr val="tx1"/>
+        </a:solidFill>
+        <a:latin typeface="+mn-lt"/>
+        <a:ea typeface="+mn-ea"/>
+        <a:cs typeface="+mn-cs"/>
+      </a:defRPr>
+    </a:lvl8pPr>
+    <a:lvl9pPr marL="3657600" algn="l" defTabSz="914400" rtl="0" eaLnBrk="1" latinLnBrk="0" hangingPunct="1">
+      <a:defRPr sz="1200" kern="1200">
+        <a:solidFill>
+          <a:schemeClr val="tx1"/>
+        </a:solidFill>
+        <a:latin typeface="+mn-lt"/>
+        <a:ea typeface="+mn-ea"/>
+        <a:cs typeface="+mn-cs"/>
+      </a:defRPr>
+    </a:lvl9pPr>
+  </p:notesStyle>
+</p:notesMaster>
+</file>
+
+<file path=ppt/notesSlides/notesSlide1.xml><?xml version="1.0" encoding="utf-8"?>
+<p:notes xmlns:a="http://schemas.openxmlformats.org/drawingml/2006/main" xmlns:r="http://schemas.openxmlformats.org/officeDocument/2006/relationships" xmlns:p="http://schemas.openxmlformats.org/presentationml/2006/main">
+  <p:cSld>
+    <p:spTree>
+      <p:nvGrpSpPr>
+        <p:cNvPr id="1" name=""/>
+        <p:cNvGrpSpPr/>
+        <p:nvPr/>
+      </p:nvGrpSpPr>
+      <p:grpSpPr>
+        <a:xfrm>
+          <a:off x="0" y="0"/>
+          <a:ext cx="0" cy="0"/>
+          <a:chOff x="0" y="0"/>
+          <a:chExt cx="0" cy="0"/>
+        </a:xfrm>
+      </p:grpSpPr>
+      <p:sp>
+        <p:nvSpPr>
+          <p:cNvPr id="2" name="Slide Image Placeholder 1"/>
+          <p:cNvSpPr>
+            <a:spLocks noGrp="1" noRot="1" noChangeAspect="1"/>
+          </p:cNvSpPr>
+          <p:nvPr>
+            <p:ph type="sldImg"/>
+          </p:nvPr>
+        </p:nvSpPr>
+        <p:spPr/>
+      </p:sp>
+      <p:sp>
+        <p:nvSpPr>
+          <p:cNvPr id="3" name="Notes Placeholder 2"/>
+          <p:cNvSpPr>
+            <a:spLocks noGrp="1"/>
+          </p:cNvSpPr>
+          <p:nvPr>
+            <p:ph type="body" idx="1"/>
+          </p:nvPr>
+        </p:nvSpPr>
+        <p:spPr/>
+        <p:txBody>
+          <a:bodyPr/>
+          <a:lstStyle/>
+          <a:p>
+            <a:r>
+              <a:rPr lang="en-GB" dirty="0"/>
+              <a:t>Talk about what who when where why of the project while on this slide give people understanding</a:t>
+            </a:r>
+          </a:p>
+        </p:txBody>
+      </p:sp>
+      <p:sp>
+        <p:nvSpPr>
+          <p:cNvPr id="4" name="Slide Number Placeholder 3"/>
+          <p:cNvSpPr>
+            <a:spLocks noGrp="1"/>
+          </p:cNvSpPr>
+          <p:nvPr>
+            <p:ph type="sldNum" sz="quarter" idx="5"/>
+          </p:nvPr>
+        </p:nvSpPr>
+        <p:spPr/>
+        <p:txBody>
+          <a:bodyPr/>
+          <a:lstStyle/>
+          <a:p>
+            <a:fld id="{0AC8107D-CE22-4527-A707-CAE94DF850AE}" type="slidenum">
+              <a:rPr lang="en-GB" smtClean="0"/>
+              <a:t>1</a:t>
+            </a:fld>
+            <a:endParaRPr lang="en-GB"/>
+          </a:p>
+        </p:txBody>
+      </p:sp>
+    </p:spTree>
+    <p:extLst>
+      <p:ext uri="{BB962C8B-B14F-4D97-AF65-F5344CB8AC3E}">
+        <p14:creationId xmlns:p14="http://schemas.microsoft.com/office/powerpoint/2010/main" val="2296000382"/>
+      </p:ext>
+    </p:extLst>
+  </p:cSld>
+  <p:clrMapOvr>
+    <a:masterClrMapping/>
+  </p:clrMapOvr>
+</p:notes>
+</file>
+
 <file path=ppt/slideLayouts/slideLayout1.xml><?xml version="1.0" encoding="utf-8"?>
 <p:sldLayout xmlns:a="http://schemas.openxmlformats.org/drawingml/2006/main" xmlns:r="http://schemas.openxmlformats.org/officeDocument/2006/relationships" xmlns:p="http://schemas.openxmlformats.org/presentationml/2006/main" type="title" preserve="1">
   <p:cSld name="Title Slide">
@@ -286,7 +727,7 @@
           <a:p>
             <a:fld id="{48A87A34-81AB-432B-8DAE-1953F412C126}" type="datetimeFigureOut">
               <a:rPr lang="en-US" dirty="0"/>
-              <a:t>12/21/2018</a:t>
+              <a:t>12/24/2018</a:t>
             </a:fld>
             <a:endParaRPr lang="en-US" dirty="0"/>
           </a:p>
@@ -548,7 +989,7 @@
           <a:p>
             <a:fld id="{48A87A34-81AB-432B-8DAE-1953F412C126}" type="datetimeFigureOut">
               <a:rPr lang="en-US" dirty="0"/>
-              <a:t>12/21/2018</a:t>
+              <a:t>12/24/2018</a:t>
             </a:fld>
             <a:endParaRPr lang="en-US" dirty="0"/>
           </a:p>
@@ -775,7 +1216,7 @@
             <a:fld id="{48A87A34-81AB-432B-8DAE-1953F412C126}" type="datetimeFigureOut">
               <a:rPr lang="en-US" dirty="0"/>
               <a:pPr/>
-              <a:t>12/21/2018</a:t>
+              <a:t>12/24/2018</a:t>
             </a:fld>
             <a:endParaRPr lang="en-US" dirty="0"/>
           </a:p>
@@ -1081,7 +1522,7 @@
             <a:fld id="{48A87A34-81AB-432B-8DAE-1953F412C126}" type="datetimeFigureOut">
               <a:rPr lang="en-US" dirty="0"/>
               <a:pPr/>
-              <a:t>12/21/2018</a:t>
+              <a:t>12/24/2018</a:t>
             </a:fld>
             <a:endParaRPr lang="en-US" dirty="0"/>
           </a:p>
@@ -1550,7 +1991,7 @@
             <a:fld id="{48A87A34-81AB-432B-8DAE-1953F412C126}" type="datetimeFigureOut">
               <a:rPr lang="en-US" dirty="0"/>
               <a:pPr/>
-              <a:t>12/21/2018</a:t>
+              <a:t>12/24/2018</a:t>
             </a:fld>
             <a:endParaRPr lang="en-US" dirty="0"/>
           </a:p>
@@ -2092,7 +2533,7 @@
           <a:p>
             <a:fld id="{48A87A34-81AB-432B-8DAE-1953F412C126}" type="datetimeFigureOut">
               <a:rPr lang="en-US" dirty="0"/>
-              <a:t>12/21/2018</a:t>
+              <a:t>12/24/2018</a:t>
             </a:fld>
             <a:endParaRPr lang="en-US" dirty="0"/>
           </a:p>
@@ -2861,7 +3302,7 @@
           <a:p>
             <a:fld id="{48A87A34-81AB-432B-8DAE-1953F412C126}" type="datetimeFigureOut">
               <a:rPr lang="en-US" dirty="0"/>
-              <a:t>12/21/2018</a:t>
+              <a:t>12/24/2018</a:t>
             </a:fld>
             <a:endParaRPr lang="en-US" dirty="0"/>
           </a:p>
@@ -3031,7 +3472,7 @@
           <a:p>
             <a:fld id="{48A87A34-81AB-432B-8DAE-1953F412C126}" type="datetimeFigureOut">
               <a:rPr lang="en-US" dirty="0"/>
-              <a:t>12/21/2018</a:t>
+              <a:t>12/24/2018</a:t>
             </a:fld>
             <a:endParaRPr lang="en-US" dirty="0"/>
           </a:p>
@@ -3250,7 +3691,7 @@
             <a:fld id="{48A87A34-81AB-432B-8DAE-1953F412C126}" type="datetimeFigureOut">
               <a:rPr lang="en-US" dirty="0"/>
               <a:pPr/>
-              <a:t>12/21/2018</a:t>
+              <a:t>12/24/2018</a:t>
             </a:fld>
             <a:endParaRPr lang="en-US" dirty="0"/>
           </a:p>
@@ -3425,7 +3866,7 @@
           <a:p>
             <a:fld id="{48A87A34-81AB-432B-8DAE-1953F412C126}" type="datetimeFigureOut">
               <a:rPr lang="en-US" dirty="0"/>
-              <a:t>12/21/2018</a:t>
+              <a:t>12/24/2018</a:t>
             </a:fld>
             <a:endParaRPr lang="en-US" dirty="0"/>
           </a:p>
@@ -3710,7 +4151,7 @@
             <a:fld id="{48A87A34-81AB-432B-8DAE-1953F412C126}" type="datetimeFigureOut">
               <a:rPr lang="en-US" dirty="0"/>
               <a:pPr/>
-              <a:t>12/21/2018</a:t>
+              <a:t>12/24/2018</a:t>
             </a:fld>
             <a:endParaRPr lang="en-US" dirty="0"/>
           </a:p>
@@ -3947,7 +4388,7 @@
           <a:p>
             <a:fld id="{48A87A34-81AB-432B-8DAE-1953F412C126}" type="datetimeFigureOut">
               <a:rPr lang="en-US" dirty="0"/>
-              <a:t>12/21/2018</a:t>
+              <a:t>12/24/2018</a:t>
             </a:fld>
             <a:endParaRPr lang="en-US" dirty="0"/>
           </a:p>
@@ -4321,7 +4762,7 @@
           <a:p>
             <a:fld id="{48A87A34-81AB-432B-8DAE-1953F412C126}" type="datetimeFigureOut">
               <a:rPr lang="en-US" dirty="0"/>
-              <a:t>12/21/2018</a:t>
+              <a:t>12/24/2018</a:t>
             </a:fld>
             <a:endParaRPr lang="en-US" dirty="0"/>
           </a:p>
@@ -4434,7 +4875,7 @@
           <a:p>
             <a:fld id="{48A87A34-81AB-432B-8DAE-1953F412C126}" type="datetimeFigureOut">
               <a:rPr lang="en-US" dirty="0"/>
-              <a:t>12/21/2018</a:t>
+              <a:t>12/24/2018</a:t>
             </a:fld>
             <a:endParaRPr lang="en-US" dirty="0"/>
           </a:p>
@@ -4524,7 +4965,7 @@
           <a:p>
             <a:fld id="{48A87A34-81AB-432B-8DAE-1953F412C126}" type="datetimeFigureOut">
               <a:rPr lang="en-US" dirty="0"/>
-              <a:t>12/21/2018</a:t>
+              <a:t>12/24/2018</a:t>
             </a:fld>
             <a:endParaRPr lang="en-US" dirty="0"/>
           </a:p>
@@ -4768,7 +5209,7 @@
           <a:p>
             <a:fld id="{48A87A34-81AB-432B-8DAE-1953F412C126}" type="datetimeFigureOut">
               <a:rPr lang="en-US" dirty="0"/>
-              <a:t>12/21/2018</a:t>
+              <a:t>12/24/2018</a:t>
             </a:fld>
             <a:endParaRPr lang="en-US" dirty="0"/>
           </a:p>
@@ -5020,7 +5461,7 @@
           <a:p>
             <a:fld id="{48A87A34-81AB-432B-8DAE-1953F412C126}" type="datetimeFigureOut">
               <a:rPr lang="en-US" dirty="0"/>
-              <a:t>12/21/2018</a:t>
+              <a:t>12/24/2018</a:t>
             </a:fld>
             <a:endParaRPr lang="en-US" dirty="0"/>
           </a:p>
@@ -5259,7 +5700,7 @@
             <a:fld id="{48A87A34-81AB-432B-8DAE-1953F412C126}" type="datetimeFigureOut">
               <a:rPr lang="en-US" dirty="0"/>
               <a:pPr/>
-              <a:t>12/21/2018</a:t>
+              <a:t>12/24/2018</a:t>
             </a:fld>
             <a:endParaRPr lang="en-US" dirty="0"/>
           </a:p>
@@ -7855,6 +8296,97 @@
 </p:sld>
 </file>
 
+<file path=ppt/slides/slide6.xml><?xml version="1.0" encoding="utf-8"?>
+<p:sld xmlns:a="http://schemas.openxmlformats.org/drawingml/2006/main" xmlns:r="http://schemas.openxmlformats.org/officeDocument/2006/relationships" xmlns:p="http://schemas.openxmlformats.org/presentationml/2006/main">
+  <p:cSld>
+    <p:spTree>
+      <p:nvGrpSpPr>
+        <p:cNvPr id="1" name=""/>
+        <p:cNvGrpSpPr/>
+        <p:nvPr/>
+      </p:nvGrpSpPr>
+      <p:grpSpPr>
+        <a:xfrm>
+          <a:off x="0" y="0"/>
+          <a:ext cx="0" cy="0"/>
+          <a:chOff x="0" y="0"/>
+          <a:chExt cx="0" cy="0"/>
+        </a:xfrm>
+      </p:grpSpPr>
+      <p:sp>
+        <p:nvSpPr>
+          <p:cNvPr id="2" name="Title 1">
+            <a:extLst>
+              <a:ext uri="{FF2B5EF4-FFF2-40B4-BE49-F238E27FC236}">
+                <a16:creationId xmlns:a16="http://schemas.microsoft.com/office/drawing/2014/main" id="{FE2F4BCD-4551-4541-A87D-2E622B7BF1B8}"/>
+              </a:ext>
+            </a:extLst>
+          </p:cNvPr>
+          <p:cNvSpPr>
+            <a:spLocks noGrp="1"/>
+          </p:cNvSpPr>
+          <p:nvPr>
+            <p:ph type="title"/>
+          </p:nvPr>
+        </p:nvSpPr>
+        <p:spPr/>
+        <p:txBody>
+          <a:bodyPr/>
+          <a:lstStyle/>
+          <a:p>
+            <a:pPr algn="ctr"/>
+            <a:r>
+              <a:rPr lang="en-GB" dirty="0"/>
+              <a:t>Are there Any Questions</a:t>
+            </a:r>
+          </a:p>
+        </p:txBody>
+      </p:sp>
+      <p:sp>
+        <p:nvSpPr>
+          <p:cNvPr id="4" name="Text Placeholder 3">
+            <a:extLst>
+              <a:ext uri="{FF2B5EF4-FFF2-40B4-BE49-F238E27FC236}">
+                <a16:creationId xmlns:a16="http://schemas.microsoft.com/office/drawing/2014/main" id="{742BE9B9-BFE0-4517-91D3-E0B5C874C604}"/>
+              </a:ext>
+            </a:extLst>
+          </p:cNvPr>
+          <p:cNvSpPr>
+            <a:spLocks noGrp="1"/>
+          </p:cNvSpPr>
+          <p:nvPr>
+            <p:ph type="body" sz="half" idx="2"/>
+          </p:nvPr>
+        </p:nvSpPr>
+        <p:spPr/>
+        <p:txBody>
+          <a:bodyPr/>
+          <a:lstStyle/>
+          <a:p>
+            <a:r>
+              <a:rPr lang="en-GB" dirty="0"/>
+              <a:t>Thanks </a:t>
+            </a:r>
+            <a:r>
+              <a:rPr lang="en-GB"/>
+              <a:t>for listening</a:t>
+            </a:r>
+          </a:p>
+        </p:txBody>
+      </p:sp>
+    </p:spTree>
+    <p:extLst>
+      <p:ext uri="{BB962C8B-B14F-4D97-AF65-F5344CB8AC3E}">
+        <p14:creationId xmlns:p14="http://schemas.microsoft.com/office/powerpoint/2010/main" val="3701587326"/>
+      </p:ext>
+    </p:extLst>
+  </p:cSld>
+  <p:clrMapOvr>
+    <a:masterClrMapping/>
+  </p:clrMapOvr>
+</p:sld>
+</file>
+
 <file path=ppt/theme/theme1.xml><?xml version="1.0" encoding="utf-8"?>
 <a:theme xmlns:a="http://schemas.openxmlformats.org/drawingml/2006/main" name="Vapor Trail">
   <a:themeElements>
@@ -8123,4 +8655,299 @@
     </a:ext>
   </a:extLst>
 </a:theme>
+</file>
+
+<file path=ppt/theme/theme2.xml><?xml version="1.0" encoding="utf-8"?>
+<a:theme xmlns:a="http://schemas.openxmlformats.org/drawingml/2006/main" name="Office Theme">
+  <a:themeElements>
+    <a:clrScheme name="Office">
+      <a:dk1>
+        <a:sysClr val="windowText" lastClr="000000"/>
+      </a:dk1>
+      <a:lt1>
+        <a:sysClr val="window" lastClr="FFFFFF"/>
+      </a:lt1>
+      <a:dk2>
+        <a:srgbClr val="44546A"/>
+      </a:dk2>
+      <a:lt2>
+        <a:srgbClr val="E7E6E6"/>
+      </a:lt2>
+      <a:accent1>
+        <a:srgbClr val="4472C4"/>
+      </a:accent1>
+      <a:accent2>
+        <a:srgbClr val="ED7D31"/>
+      </a:accent2>
+      <a:accent3>
+        <a:srgbClr val="A5A5A5"/>
+      </a:accent3>
+      <a:accent4>
+        <a:srgbClr val="FFC000"/>
+      </a:accent4>
+      <a:accent5>
+        <a:srgbClr val="5B9BD5"/>
+      </a:accent5>
+      <a:accent6>
+        <a:srgbClr val="70AD47"/>
+      </a:accent6>
+      <a:hlink>
+        <a:srgbClr val="0563C1"/>
+      </a:hlink>
+      <a:folHlink>
+        <a:srgbClr val="954F72"/>
+      </a:folHlink>
+    </a:clrScheme>
+    <a:fontScheme name="Office">
+      <a:majorFont>
+        <a:latin typeface="Calibri Light" panose="020F0302020204030204"/>
+        <a:ea typeface=""/>
+        <a:cs typeface=""/>
+        <a:font script="Jpan" typeface="游ゴシック Light"/>
+        <a:font script="Hang" typeface="맑은 고딕"/>
+        <a:font script="Hans" typeface="等线 Light"/>
+        <a:font script="Hant" typeface="新細明體"/>
+        <a:font script="Arab" typeface="Times New Roman"/>
+        <a:font script="Hebr" typeface="Times New Roman"/>
+        <a:font script="Thai" typeface="Angsana New"/>
+        <a:font script="Ethi" typeface="Nyala"/>
+        <a:font script="Beng" typeface="Vrinda"/>
+        <a:font script="Gujr" typeface="Shruti"/>
+        <a:font script="Khmr" typeface="MoolBoran"/>
+        <a:font script="Knda" typeface="Tunga"/>
+        <a:font script="Guru" typeface="Raavi"/>
+        <a:font script="Cans" typeface="Euphemia"/>
+        <a:font script="Cher" typeface="Plantagenet Cherokee"/>
+        <a:font script="Yiii" typeface="Microsoft Yi Baiti"/>
+        <a:font script="Tibt" typeface="Microsoft Himalaya"/>
+        <a:font script="Thaa" typeface="MV Boli"/>
+        <a:font script="Deva" typeface="Mangal"/>
+        <a:font script="Telu" typeface="Gautami"/>
+        <a:font script="Taml" typeface="Latha"/>
+        <a:font script="Syrc" typeface="Estrangelo Edessa"/>
+        <a:font script="Orya" typeface="Kalinga"/>
+        <a:font script="Mlym" typeface="Kartika"/>
+        <a:font script="Laoo" typeface="DokChampa"/>
+        <a:font script="Sinh" typeface="Iskoola Pota"/>
+        <a:font script="Mong" typeface="Mongolian Baiti"/>
+        <a:font script="Viet" typeface="Times New Roman"/>
+        <a:font script="Uigh" typeface="Microsoft Uighur"/>
+        <a:font script="Geor" typeface="Sylfaen"/>
+        <a:font script="Armn" typeface="Arial"/>
+        <a:font script="Bugi" typeface="Leelawadee UI"/>
+        <a:font script="Bopo" typeface="Microsoft JhengHei"/>
+        <a:font script="Java" typeface="Javanese Text"/>
+        <a:font script="Lisu" typeface="Segoe UI"/>
+        <a:font script="Mymr" typeface="Myanmar Text"/>
+        <a:font script="Nkoo" typeface="Ebrima"/>
+        <a:font script="Olck" typeface="Nirmala UI"/>
+        <a:font script="Osma" typeface="Ebrima"/>
+        <a:font script="Phag" typeface="Phagspa"/>
+        <a:font script="Syrn" typeface="Estrangelo Edessa"/>
+        <a:font script="Syrj" typeface="Estrangelo Edessa"/>
+        <a:font script="Syre" typeface="Estrangelo Edessa"/>
+        <a:font script="Sora" typeface="Nirmala UI"/>
+        <a:font script="Tale" typeface="Microsoft Tai Le"/>
+        <a:font script="Talu" typeface="Microsoft New Tai Lue"/>
+        <a:font script="Tfng" typeface="Ebrima"/>
+      </a:majorFont>
+      <a:minorFont>
+        <a:latin typeface="Calibri" panose="020F0502020204030204"/>
+        <a:ea typeface=""/>
+        <a:cs typeface=""/>
+        <a:font script="Jpan" typeface="游ゴシック"/>
+        <a:font script="Hang" typeface="맑은 고딕"/>
+        <a:font script="Hans" typeface="等线"/>
+        <a:font script="Hant" typeface="新細明體"/>
+        <a:font script="Arab" typeface="Arial"/>
+        <a:font script="Hebr" typeface="Arial"/>
+        <a:font script="Thai" typeface="Cordia New"/>
+        <a:font script="Ethi" typeface="Nyala"/>
+        <a:font script="Beng" typeface="Vrinda"/>
+        <a:font script="Gujr" typeface="Shruti"/>
+        <a:font script="Khmr" typeface="DaunPenh"/>
+        <a:font script="Knda" typeface="Tunga"/>
+        <a:font script="Guru" typeface="Raavi"/>
+        <a:font script="Cans" typeface="Euphemia"/>
+        <a:font script="Cher" typeface="Plantagenet Cherokee"/>
+        <a:font script="Yiii" typeface="Microsoft Yi Baiti"/>
+        <a:font script="Tibt" typeface="Microsoft Himalaya"/>
+        <a:font script="Thaa" typeface="MV Boli"/>
+        <a:font script="Deva" typeface="Mangal"/>
+        <a:font script="Telu" typeface="Gautami"/>
+        <a:font script="Taml" typeface="Latha"/>
+        <a:font script="Syrc" typeface="Estrangelo Edessa"/>
+        <a:font script="Orya" typeface="Kalinga"/>
+        <a:font script="Mlym" typeface="Kartika"/>
+        <a:font script="Laoo" typeface="DokChampa"/>
+        <a:font script="Sinh" typeface="Iskoola Pota"/>
+        <a:font script="Mong" typeface="Mongolian Baiti"/>
+        <a:font script="Viet" typeface="Arial"/>
+        <a:font script="Uigh" typeface="Microsoft Uighur"/>
+        <a:font script="Geor" typeface="Sylfaen"/>
+        <a:font script="Armn" typeface="Arial"/>
+        <a:font script="Bugi" typeface="Leelawadee UI"/>
+        <a:font script="Bopo" typeface="Microsoft JhengHei"/>
+        <a:font script="Java" typeface="Javanese Text"/>
+        <a:font script="Lisu" typeface="Segoe UI"/>
+        <a:font script="Mymr" typeface="Myanmar Text"/>
+        <a:font script="Nkoo" typeface="Ebrima"/>
+        <a:font script="Olck" typeface="Nirmala UI"/>
+        <a:font script="Osma" typeface="Ebrima"/>
+        <a:font script="Phag" typeface="Phagspa"/>
+        <a:font script="Syrn" typeface="Estrangelo Edessa"/>
+        <a:font script="Syrj" typeface="Estrangelo Edessa"/>
+        <a:font script="Syre" typeface="Estrangelo Edessa"/>
+        <a:font script="Sora" typeface="Nirmala UI"/>
+        <a:font script="Tale" typeface="Microsoft Tai Le"/>
+        <a:font script="Talu" typeface="Microsoft New Tai Lue"/>
+        <a:font script="Tfng" typeface="Ebrima"/>
+      </a:minorFont>
+    </a:fontScheme>
+    <a:fmtScheme name="Office">
+      <a:fillStyleLst>
+        <a:solidFill>
+          <a:schemeClr val="phClr"/>
+        </a:solidFill>
+        <a:gradFill rotWithShape="1">
+          <a:gsLst>
+            <a:gs pos="0">
+              <a:schemeClr val="phClr">
+                <a:lumMod val="110000"/>
+                <a:satMod val="105000"/>
+                <a:tint val="67000"/>
+              </a:schemeClr>
+            </a:gs>
+            <a:gs pos="50000">
+              <a:schemeClr val="phClr">
+                <a:lumMod val="105000"/>
+                <a:satMod val="103000"/>
+                <a:tint val="73000"/>
+              </a:schemeClr>
+            </a:gs>
+            <a:gs pos="100000">
+              <a:schemeClr val="phClr">
+                <a:lumMod val="105000"/>
+                <a:satMod val="109000"/>
+                <a:tint val="81000"/>
+              </a:schemeClr>
+            </a:gs>
+          </a:gsLst>
+          <a:lin ang="5400000" scaled="0"/>
+        </a:gradFill>
+        <a:gradFill rotWithShape="1">
+          <a:gsLst>
+            <a:gs pos="0">
+              <a:schemeClr val="phClr">
+                <a:satMod val="103000"/>
+                <a:lumMod val="102000"/>
+                <a:tint val="94000"/>
+              </a:schemeClr>
+            </a:gs>
+            <a:gs pos="50000">
+              <a:schemeClr val="phClr">
+                <a:satMod val="110000"/>
+                <a:lumMod val="100000"/>
+                <a:shade val="100000"/>
+              </a:schemeClr>
+            </a:gs>
+            <a:gs pos="100000">
+              <a:schemeClr val="phClr">
+                <a:lumMod val="99000"/>
+                <a:satMod val="120000"/>
+                <a:shade val="78000"/>
+              </a:schemeClr>
+            </a:gs>
+          </a:gsLst>
+          <a:lin ang="5400000" scaled="0"/>
+        </a:gradFill>
+      </a:fillStyleLst>
+      <a:lnStyleLst>
+        <a:ln w="6350" cap="flat" cmpd="sng" algn="ctr">
+          <a:solidFill>
+            <a:schemeClr val="phClr"/>
+          </a:solidFill>
+          <a:prstDash val="solid"/>
+          <a:miter lim="800000"/>
+        </a:ln>
+        <a:ln w="12700" cap="flat" cmpd="sng" algn="ctr">
+          <a:solidFill>
+            <a:schemeClr val="phClr"/>
+          </a:solidFill>
+          <a:prstDash val="solid"/>
+          <a:miter lim="800000"/>
+        </a:ln>
+        <a:ln w="19050" cap="flat" cmpd="sng" algn="ctr">
+          <a:solidFill>
+            <a:schemeClr val="phClr"/>
+          </a:solidFill>
+          <a:prstDash val="solid"/>
+          <a:miter lim="800000"/>
+        </a:ln>
+      </a:lnStyleLst>
+      <a:effectStyleLst>
+        <a:effectStyle>
+          <a:effectLst/>
+        </a:effectStyle>
+        <a:effectStyle>
+          <a:effectLst/>
+        </a:effectStyle>
+        <a:effectStyle>
+          <a:effectLst>
+            <a:outerShdw blurRad="57150" dist="19050" dir="5400000" algn="ctr" rotWithShape="0">
+              <a:srgbClr val="000000">
+                <a:alpha val="63000"/>
+              </a:srgbClr>
+            </a:outerShdw>
+          </a:effectLst>
+        </a:effectStyle>
+      </a:effectStyleLst>
+      <a:bgFillStyleLst>
+        <a:solidFill>
+          <a:schemeClr val="phClr"/>
+        </a:solidFill>
+        <a:solidFill>
+          <a:schemeClr val="phClr">
+            <a:tint val="95000"/>
+            <a:satMod val="170000"/>
+          </a:schemeClr>
+        </a:solidFill>
+        <a:gradFill rotWithShape="1">
+          <a:gsLst>
+            <a:gs pos="0">
+              <a:schemeClr val="phClr">
+                <a:tint val="93000"/>
+                <a:satMod val="150000"/>
+                <a:shade val="98000"/>
+                <a:lumMod val="102000"/>
+              </a:schemeClr>
+            </a:gs>
+            <a:gs pos="50000">
+              <a:schemeClr val="phClr">
+                <a:tint val="98000"/>
+                <a:satMod val="130000"/>
+                <a:shade val="90000"/>
+                <a:lumMod val="103000"/>
+              </a:schemeClr>
+            </a:gs>
+            <a:gs pos="100000">
+              <a:schemeClr val="phClr">
+                <a:shade val="63000"/>
+                <a:satMod val="120000"/>
+              </a:schemeClr>
+            </a:gs>
+          </a:gsLst>
+          <a:lin ang="5400000" scaled="0"/>
+        </a:gradFill>
+      </a:bgFillStyleLst>
+    </a:fmtScheme>
+  </a:themeElements>
+  <a:objectDefaults/>
+  <a:extraClrSchemeLst/>
+  <a:extLst>
+    <a:ext uri="{05A4C25C-085E-4340-85A3-A5531E510DB2}">
+      <thm15:themeFamily xmlns:thm15="http://schemas.microsoft.com/office/thememl/2012/main" name="Office Theme" id="{62F939B6-93AF-4DB8-9C6B-D6C7DFDC589F}" vid="{4A3C46E8-61CC-4603-A589-7422A47A8E4A}"/>
+    </a:ext>
+  </a:extLst>
+</a:theme>
 </file>